--- a/poster.pptx
+++ b/poster.pptx
@@ -1963,7 +1963,7 @@
             </a:pPr>
             <a:r>
               <a:rPr sz="2400"/>
-              <a:t>Darker color means more posts for that state; Lighter color means less pots for that state</a:t>
+              <a:t>Darker color means more posts for that state; Lighter color means less posts for that state</a:t>
             </a:r>
           </a:p>
         </p:txBody>

--- a/poster.pptx
+++ b/poster.pptx
@@ -2,13 +2,13 @@
 <file path=ppt/presentation.xml><?xml version="1.0" encoding="utf-8"?>
 <p:presentation xmlns:a="http://schemas.openxmlformats.org/drawingml/2006/main" xmlns:r="http://schemas.openxmlformats.org/officeDocument/2006/relationships" xmlns:p="http://schemas.openxmlformats.org/presentationml/2006/main">
   <p:sldMasterIdLst>
-    <p:sldMasterId id="2147483648" r:id="rId5"/>
+    <p:sldMasterId id="2147483648" r:id="rId1"/>
   </p:sldMasterIdLst>
   <p:notesMasterIdLst>
-    <p:notesMasterId r:id="rId7"/>
+    <p:notesMasterId r:id="rId3"/>
   </p:notesMasterIdLst>
   <p:sldIdLst>
-    <p:sldId id="256" r:id="rId8"/>
+    <p:sldId id="256" r:id="rId2"/>
   </p:sldIdLst>
   <p:sldSz cx="29260800" cy="21945600"/>
   <p:notesSz cx="6858000" cy="9144000"/>
@@ -89,13 +89,14 @@
 </p:presentation>
 </file>
 
-<file path=ppt/commentAuthors.xml><?xml version="1.0" encoding="utf-8"?>
-<p:cmAuthorLst xmlns:a="http://schemas.openxmlformats.org/drawingml/2006/main" xmlns:r="http://schemas.openxmlformats.org/officeDocument/2006/relationships" xmlns:p="http://schemas.openxmlformats.org/presentationml/2006/main"/>
-</file>
-
 <file path=ppt/notesMasters/notesMaster1.xml><?xml version="1.0" encoding="utf-8"?>
 <p:notesMaster xmlns:a="http://schemas.openxmlformats.org/drawingml/2006/main" xmlns:r="http://schemas.openxmlformats.org/officeDocument/2006/relationships" xmlns:p="http://schemas.openxmlformats.org/presentationml/2006/main">
   <p:cSld>
+    <p:bg>
+      <p:bgRef idx="1001">
+        <a:schemeClr val="bg1"/>
+      </p:bgRef>
+    </p:bg>
     <p:spTree>
       <p:nvGrpSpPr>
         <p:cNvPr id="1" name=""/>
@@ -113,7 +114,9 @@
       <p:sp>
         <p:nvSpPr>
           <p:cNvPr id="5" name="Shape 5"/>
-          <p:cNvSpPr/>
+          <p:cNvSpPr>
+            <a:spLocks noGrp="1" noRot="1" noChangeAspect="1"/>
+          </p:cNvSpPr>
           <p:nvPr>
             <p:ph type="sldImg"/>
           </p:nvPr>
@@ -132,13 +135,16 @@
           <a:lstStyle/>
           <a:p>
             <a:pPr lvl="0"/>
+            <a:endParaRPr/>
           </a:p>
         </p:txBody>
       </p:sp>
       <p:sp>
         <p:nvSpPr>
           <p:cNvPr id="6" name="Shape 6"/>
-          <p:cNvSpPr/>
+          <p:cNvSpPr>
+            <a:spLocks noGrp="1"/>
+          </p:cNvSpPr>
           <p:nvPr>
             <p:ph type="body" sz="quarter" idx="1"/>
           </p:nvPr>
@@ -157,10 +163,16 @@
           <a:lstStyle/>
           <a:p>
             <a:pPr lvl="0"/>
+            <a:endParaRPr/>
           </a:p>
         </p:txBody>
       </p:sp>
     </p:spTree>
+    <p:extLst>
+      <p:ext uri="{BB962C8B-B14F-4D97-AF65-F5344CB8AC3E}">
+        <p14:creationId xmlns:p14="http://schemas.microsoft.com/office/powerpoint/2010/main" val="275279987"/>
+      </p:ext>
+    </p:extLst>
   </p:cSld>
   <p:clrMap bg1="lt1" tx1="dk1" bg2="lt2" tx2="dk2" accent1="accent1" accent2="accent2" accent3="accent3" accent4="accent4" accent5="accent5" accent6="accent6" hlink="hlink" folHlink="folHlink"/>
   <p:notesStyle>
@@ -268,7 +280,7 @@
 </file>
 
 <file path=ppt/slideLayouts/slideLayout1.xml><?xml version="1.0" encoding="utf-8"?>
-<p:sldLayout xmlns:a="http://schemas.openxmlformats.org/drawingml/2006/main" xmlns:r="http://schemas.openxmlformats.org/officeDocument/2006/relationships" xmlns:p="http://schemas.openxmlformats.org/presentationml/2006/main" type="tx" showMasterSp="1" showMasterPhAnim="1">
+<p:sldLayout xmlns:a="http://schemas.openxmlformats.org/drawingml/2006/main" xmlns:r="http://schemas.openxmlformats.org/officeDocument/2006/relationships" xmlns:p="http://schemas.openxmlformats.org/presentationml/2006/main" type="tx">
   <p:cSld name="Default">
     <p:spTree>
       <p:nvGrpSpPr>
@@ -287,7 +299,9 @@
       <p:sp>
         <p:nvSpPr>
           <p:cNvPr id="4" name="Shape 4"/>
-          <p:cNvSpPr/>
+          <p:cNvSpPr>
+            <a:spLocks noGrp="1"/>
+          </p:cNvSpPr>
           <p:nvPr>
             <p:ph type="sldNum" sz="quarter" idx="2"/>
           </p:nvPr>
@@ -302,7 +316,10 @@
           <a:lstStyle/>
           <a:p>
             <a:pPr lvl="0"/>
-            <a:fld id="{86CB4B4D-7CA3-9044-876B-883B54F8677D}" type="slidenum"/>
+            <a:fld id="{86CB4B4D-7CA3-9044-876B-883B54F8677D}" type="slidenum">
+              <a:t>‹#›</a:t>
+            </a:fld>
+            <a:endParaRPr/>
           </a:p>
         </p:txBody>
       </p:sp>
@@ -311,7 +328,7 @@
   <p:clrMapOvr>
     <a:masterClrMapping/>
   </p:clrMapOvr>
-  <p:transition spd="med" advClick="1"/>
+  <p:transition spd="med"/>
 </p:sldLayout>
 </file>
 
@@ -323,6 +340,7 @@
         <a:solidFill>
           <a:srgbClr val="FFFFFF"/>
         </a:solidFill>
+        <a:effectLst/>
       </p:bgPr>
     </p:bg>
     <p:spTree>
@@ -342,7 +360,9 @@
       <p:sp>
         <p:nvSpPr>
           <p:cNvPr id="2" name="Shape 2"/>
-          <p:cNvSpPr/>
+          <p:cNvSpPr>
+            <a:spLocks noGrp="1"/>
+          </p:cNvSpPr>
           <p:nvPr>
             <p:ph type="sldNum" sz="quarter" idx="2"/>
           </p:nvPr>
@@ -370,7 +390,10 @@
           </a:lstStyle>
           <a:p>
             <a:pPr lvl="0"/>
-            <a:fld id="{86CB4B4D-7CA3-9044-876B-883B54F8677D}" type="slidenum"/>
+            <a:fld id="{86CB4B4D-7CA3-9044-876B-883B54F8677D}" type="slidenum">
+              <a:t>‹#›</a:t>
+            </a:fld>
+            <a:endParaRPr/>
           </a:p>
         </p:txBody>
       </p:sp>
@@ -378,9 +401,9 @@
   </p:cSld>
   <p:clrMap bg1="lt1" tx1="dk1" bg2="lt2" tx2="dk2" accent1="accent1" accent2="accent2" accent3="accent3" accent4="accent4" accent5="accent5" accent6="accent6" hlink="hlink" folHlink="folHlink"/>
   <p:sldLayoutIdLst>
-    <p:sldLayoutId id="2147483649" r:id="rId2"/>
+    <p:sldLayoutId id="2147483649" r:id="rId1"/>
   </p:sldLayoutIdLst>
-  <p:transition spd="med" advClick="1"/>
+  <p:transition spd="med"/>
   <p:txStyles>
     <p:titleStyle>
       <a:lvl1pPr algn="ctr" defTabSz="2855912">
@@ -681,7 +704,7 @@
 </file>
 
 <file path=ppt/slides/slide1.xml><?xml version="1.0" encoding="utf-8"?>
-<p:sld xmlns:a="http://schemas.openxmlformats.org/drawingml/2006/main" xmlns:r="http://schemas.openxmlformats.org/officeDocument/2006/relationships" xmlns:p="http://schemas.openxmlformats.org/presentationml/2006/main" showMasterSp="1" showMasterPhAnim="1">
+<p:sld xmlns:a="http://schemas.openxmlformats.org/drawingml/2006/main" xmlns:r="http://schemas.openxmlformats.org/officeDocument/2006/relationships" xmlns:p="http://schemas.openxmlformats.org/presentationml/2006/main">
   <p:cSld>
     <p:spTree>
       <p:nvGrpSpPr>
@@ -727,7 +750,9 @@
       <p:sp>
         <p:nvSpPr>
           <p:cNvPr id="9" name="Shape 9"/>
-          <p:cNvSpPr/>
+          <p:cNvSpPr>
+            <a:spLocks noGrp="1"/>
+          </p:cNvSpPr>
           <p:nvPr>
             <p:ph type="title" idx="4294967295"/>
           </p:nvPr>
@@ -745,13 +770,13 @@
           </a:ln>
           <a:extLst>
             <a:ext uri="{C572A759-6A51-4108-AA02-DFA0A04FC94B}">
-              <ma14:wrappingTextBoxFlag xmlns:ma14="http://schemas.microsoft.com/office/mac/drawingml/2011/main" val="1"/>
+              <ma14:wrappingTextBoxFlag xmlns:ma14="http://schemas.microsoft.com/office/mac/drawingml/2011/main" xmlns="" val="1"/>
             </a:ext>
           </a:extLst>
         </p:spPr>
         <p:txBody>
           <a:bodyPr lIns="55561" tIns="55561" rIns="55561" bIns="55561" anchor="ctr">
-            <a:normAutofit fontScale="100000" lnSpcReduction="0"/>
+            <a:normAutofit fontScale="90000"/>
           </a:bodyPr>
           <a:lstStyle/>
           <a:p>
@@ -759,7 +784,7 @@
               <a:defRPr sz="1800"/>
             </a:pPr>
             <a:r>
-              <a:rPr b="1" sz="7519">
+              <a:rPr sz="7519" b="1">
                 <a:latin typeface="Athelas"/>
                 <a:ea typeface="Athelas"/>
                 <a:cs typeface="Athelas"/>
@@ -767,12 +792,6 @@
               </a:rPr>
               <a:t>Instagram Post Data Analysis</a:t>
             </a:r>
-            <a:endParaRPr b="1" sz="7519">
-              <a:latin typeface="Athelas"/>
-              <a:ea typeface="Athelas"/>
-              <a:cs typeface="Athelas"/>
-              <a:sym typeface="Athelas"/>
-            </a:endParaRPr>
           </a:p>
           <a:p>
             <a:pPr lvl="0" defTabSz="2684557">
@@ -826,7 +845,7 @@
           </a:ln>
           <a:extLst>
             <a:ext uri="{C572A759-6A51-4108-AA02-DFA0A04FC94B}">
-              <ma14:wrappingTextBoxFlag xmlns:ma14="http://schemas.microsoft.com/office/mac/drawingml/2011/main" val="1"/>
+              <ma14:wrappingTextBoxFlag xmlns:ma14="http://schemas.microsoft.com/office/mac/drawingml/2011/main" xmlns="" val="1"/>
             </a:ext>
           </a:extLst>
         </p:spPr>
@@ -874,7 +893,7 @@
           </a:ln>
           <a:extLst>
             <a:ext uri="{C572A759-6A51-4108-AA02-DFA0A04FC94B}">
-              <ma14:wrappingTextBoxFlag xmlns:ma14="http://schemas.microsoft.com/office/mac/drawingml/2011/main" val="1"/>
+              <ma14:wrappingTextBoxFlag xmlns:ma14="http://schemas.microsoft.com/office/mac/drawingml/2011/main" xmlns="" val="1"/>
             </a:ext>
           </a:extLst>
         </p:spPr>
@@ -922,7 +941,7 @@
           </a:ln>
           <a:extLst>
             <a:ext uri="{C572A759-6A51-4108-AA02-DFA0A04FC94B}">
-              <ma14:wrappingTextBoxFlag xmlns:ma14="http://schemas.microsoft.com/office/mac/drawingml/2011/main" val="1"/>
+              <ma14:wrappingTextBoxFlag xmlns:ma14="http://schemas.microsoft.com/office/mac/drawingml/2011/main" xmlns="" val="1"/>
             </a:ext>
           </a:extLst>
         </p:spPr>
@@ -970,7 +989,7 @@
           </a:ln>
           <a:extLst>
             <a:ext uri="{C572A759-6A51-4108-AA02-DFA0A04FC94B}">
-              <ma14:wrappingTextBoxFlag xmlns:ma14="http://schemas.microsoft.com/office/mac/drawingml/2011/main" val="1"/>
+              <ma14:wrappingTextBoxFlag xmlns:ma14="http://schemas.microsoft.com/office/mac/drawingml/2011/main" xmlns="" val="1"/>
             </a:ext>
           </a:extLst>
         </p:spPr>
@@ -1007,12 +1026,12 @@
         </p:nvGraphicFramePr>
         <p:xfrm>
           <a:off x="513853" y="19669839"/>
-          <a:ext cx="17664163" cy="1883550"/>
+          <a:ext cx="17651462" cy="2042048"/>
         </p:xfrm>
-        <a:graphic xmlns:a="http://schemas.openxmlformats.org/drawingml/2006/main">
+        <a:graphic>
           <a:graphicData uri="http://schemas.openxmlformats.org/drawingml/2006/table">
             <a:tbl>
-              <a:tblPr firstCol="0" firstRow="0" lastCol="0" lastRow="0" bandCol="0" bandRow="0" rtl="0">
+              <a:tblPr>
                 <a:tableStyleId>{4C3C2611-4C71-4FC5-86AE-919BDF0F9419}</a:tableStyleId>
               </a:tblPr>
               <a:tblGrid>
@@ -1025,10 +1044,10 @@
                     <a:lstStyle/>
                     <a:p>
                       <a:pPr lvl="0" algn="ctr" defTabSz="457200">
-                        <a:defRPr b="0" i="0" sz="1800"/>
+                        <a:defRPr sz="1800" b="0" i="0"/>
                       </a:pPr>
                       <a:r>
-                        <a:rPr b="1" sz="3200">
+                        <a:rPr sz="3200" b="1">
                           <a:solidFill>
                             <a:srgbClr val="FFFFFF"/>
                           </a:solidFill>
@@ -1037,7 +1056,7 @@
                       </a:r>
                     </a:p>
                   </a:txBody>
-                  <a:tcPr marL="45702" marR="45702" marT="45702" marB="45702" anchor="t" anchorCtr="0" horzOverflow="overflow">
+                  <a:tcPr marL="45702" marR="45702" marT="45702" marB="45702" horzOverflow="overflow">
                     <a:lnL w="12700">
                       <a:solidFill>
                         <a:srgbClr val="FFFFFF"/>
@@ -1075,7 +1094,7 @@
                     <a:lstStyle/>
                     <a:p>
                       <a:pPr lvl="0" algn="ctr" defTabSz="457200">
-                        <a:defRPr b="0" i="0" sz="1800"/>
+                        <a:defRPr sz="1800" b="0" i="0"/>
                       </a:pPr>
                       <a:r>
                         <a:rPr b="1"/>
@@ -1086,7 +1105,7 @@
                       </a:r>
                     </a:p>
                   </a:txBody>
-                  <a:tcPr marL="45719" marR="45719" marT="45719" marB="45719" anchor="t" anchorCtr="0" horzOverflow="overflow">
+                  <a:tcPr marL="45719" marR="45719" marT="45719" marB="45719" horzOverflow="overflow">
                     <a:lnL w="12700">
                       <a:solidFill>
                         <a:srgbClr val="FFFFFF"/>
@@ -1124,7 +1143,7 @@
                     <a:lstStyle/>
                     <a:p>
                       <a:pPr lvl="0" algn="ctr" defTabSz="457200">
-                        <a:defRPr b="0" i="0" sz="1800"/>
+                        <a:defRPr sz="1800" b="0" i="0"/>
                       </a:pPr>
                       <a:r>
                         <a:rPr b="1"/>
@@ -1135,7 +1154,7 @@
                       </a:r>
                     </a:p>
                   </a:txBody>
-                  <a:tcPr marL="45719" marR="45719" marT="45719" marB="45719" anchor="t" anchorCtr="0" horzOverflow="overflow">
+                  <a:tcPr marL="45719" marR="45719" marT="45719" marB="45719" horzOverflow="overflow">
                     <a:lnL w="12700">
                       <a:solidFill>
                         <a:srgbClr val="FFFFFF"/>
@@ -1173,7 +1192,7 @@
                     <a:lstStyle/>
                     <a:p>
                       <a:pPr lvl="0" algn="ctr" defTabSz="457200">
-                        <a:defRPr b="0" i="0" sz="1800"/>
+                        <a:defRPr sz="1800" b="0" i="0"/>
                       </a:pPr>
                       <a:r>
                         <a:rPr b="1"/>
@@ -1184,7 +1203,7 @@
                       </a:r>
                     </a:p>
                   </a:txBody>
-                  <a:tcPr marL="45702" marR="45702" marT="45702" marB="45702" anchor="t" anchorCtr="0" horzOverflow="overflow">
+                  <a:tcPr marL="45702" marR="45702" marT="45702" marB="45702" horzOverflow="overflow">
                     <a:lnL w="12700">
                       <a:solidFill>
                         <a:srgbClr val="FFFFFF"/>
@@ -1222,7 +1241,7 @@
                     <a:lstStyle/>
                     <a:p>
                       <a:pPr lvl="0" algn="ctr" defTabSz="457200">
-                        <a:defRPr b="0" i="0" sz="1800"/>
+                        <a:defRPr sz="1800" b="0" i="0"/>
                       </a:pPr>
                       <a:r>
                         <a:rPr b="1"/>
@@ -1233,7 +1252,7 @@
                       </a:r>
                     </a:p>
                   </a:txBody>
-                  <a:tcPr marL="45702" marR="45702" marT="45702" marB="45702" anchor="t" anchorCtr="0" horzOverflow="overflow">
+                  <a:tcPr marL="45702" marR="45702" marT="45702" marB="45702" horzOverflow="overflow">
                     <a:lnL w="12700">
                       <a:solidFill>
                         <a:srgbClr val="FFFFFF"/>
@@ -1276,12 +1295,12 @@
         </p:nvGraphicFramePr>
         <p:xfrm>
           <a:off x="18897600" y="3898900"/>
-          <a:ext cx="9906000" cy="1266094"/>
+          <a:ext cx="9906000" cy="579437"/>
         </p:xfrm>
-        <a:graphic xmlns:a="http://schemas.openxmlformats.org/drawingml/2006/main">
+        <a:graphic>
           <a:graphicData uri="http://schemas.openxmlformats.org/drawingml/2006/table">
             <a:tbl>
-              <a:tblPr firstCol="0" firstRow="0" lastCol="0" lastRow="0" bandCol="0" bandRow="0" rtl="0">
+              <a:tblPr>
                 <a:tableStyleId>{4C3C2611-4C71-4FC5-86AE-919BDF0F9419}</a:tableStyleId>
               </a:tblPr>
               <a:tblGrid>
@@ -1294,10 +1313,10 @@
                     <a:lstStyle/>
                     <a:p>
                       <a:pPr lvl="0" algn="ctr" defTabSz="457200">
-                        <a:defRPr b="0" i="0" sz="1800"/>
+                        <a:defRPr sz="1800" b="0" i="0"/>
                       </a:pPr>
                       <a:r>
-                        <a:rPr b="1" sz="3200">
+                        <a:rPr sz="3200" b="1">
                           <a:solidFill>
                             <a:srgbClr val="FFFFFF"/>
                           </a:solidFill>
@@ -1306,7 +1325,7 @@
                       </a:r>
                     </a:p>
                   </a:txBody>
-                  <a:tcPr marL="45702" marR="45702" marT="45702" marB="45702" anchor="t" anchorCtr="0" horzOverflow="overflow">
+                  <a:tcPr marL="45702" marR="45702" marT="45702" marB="45702" horzOverflow="overflow">
                     <a:lnL w="12700">
                       <a:solidFill>
                         <a:srgbClr val="FFFFFF"/>
@@ -1349,12 +1368,12 @@
         </p:nvGraphicFramePr>
         <p:xfrm>
           <a:off x="18897600" y="17894300"/>
-          <a:ext cx="9906000" cy="1266094"/>
+          <a:ext cx="9906000" cy="579437"/>
         </p:xfrm>
-        <a:graphic xmlns:a="http://schemas.openxmlformats.org/drawingml/2006/main">
+        <a:graphic>
           <a:graphicData uri="http://schemas.openxmlformats.org/drawingml/2006/table">
             <a:tbl>
-              <a:tblPr firstCol="0" firstRow="0" lastCol="0" lastRow="0" bandCol="0" bandRow="0" rtl="0">
+              <a:tblPr>
                 <a:tableStyleId>{4C3C2611-4C71-4FC5-86AE-919BDF0F9419}</a:tableStyleId>
               </a:tblPr>
               <a:tblGrid>
@@ -1367,10 +1386,10 @@
                     <a:lstStyle/>
                     <a:p>
                       <a:pPr lvl="0" algn="ctr" defTabSz="457200">
-                        <a:defRPr b="0" i="0" sz="1800"/>
+                        <a:defRPr sz="1800" b="0" i="0"/>
                       </a:pPr>
                       <a:r>
-                        <a:rPr b="1" sz="3200">
+                        <a:rPr sz="3200" b="1">
                           <a:solidFill>
                             <a:srgbClr val="FFFFFF"/>
                           </a:solidFill>
@@ -1379,7 +1398,7 @@
                       </a:r>
                     </a:p>
                   </a:txBody>
-                  <a:tcPr marL="45702" marR="45702" marT="45702" marB="45702" anchor="t" anchorCtr="0" horzOverflow="overflow">
+                  <a:tcPr marL="45702" marR="45702" marT="45702" marB="45702" horzOverflow="overflow">
                     <a:lnL w="12700">
                       <a:solidFill>
                         <a:srgbClr val="FFFFFF"/>
@@ -1422,12 +1441,12 @@
         </p:nvGraphicFramePr>
         <p:xfrm>
           <a:off x="18897600" y="13917105"/>
-          <a:ext cx="9906000" cy="1266094"/>
+          <a:ext cx="9906000" cy="579437"/>
         </p:xfrm>
-        <a:graphic xmlns:a="http://schemas.openxmlformats.org/drawingml/2006/main">
+        <a:graphic>
           <a:graphicData uri="http://schemas.openxmlformats.org/drawingml/2006/table">
             <a:tbl>
-              <a:tblPr firstCol="0" firstRow="0" lastCol="0" lastRow="0" bandCol="0" bandRow="0" rtl="0">
+              <a:tblPr>
                 <a:tableStyleId>{4C3C2611-4C71-4FC5-86AE-919BDF0F9419}</a:tableStyleId>
               </a:tblPr>
               <a:tblGrid>
@@ -1440,10 +1459,10 @@
                     <a:lstStyle/>
                     <a:p>
                       <a:pPr lvl="0" algn="ctr" defTabSz="457200">
-                        <a:defRPr b="0" i="0" sz="1800"/>
+                        <a:defRPr sz="1800" b="0" i="0"/>
                       </a:pPr>
                       <a:r>
-                        <a:rPr b="1" sz="3200">
+                        <a:rPr sz="3200" b="1">
                           <a:solidFill>
                             <a:srgbClr val="FFFFFF"/>
                           </a:solidFill>
@@ -1452,7 +1471,7 @@
                       </a:r>
                     </a:p>
                   </a:txBody>
-                  <a:tcPr marL="45702" marR="45702" marT="45702" marB="45702" anchor="t" anchorCtr="0" horzOverflow="overflow">
+                  <a:tcPr marL="45702" marR="45702" marT="45702" marB="45702" horzOverflow="overflow">
                     <a:lnL w="12700">
                       <a:solidFill>
                         <a:srgbClr val="FFFFFF"/>
@@ -1506,7 +1525,7 @@
           </a:ln>
           <a:extLst>
             <a:ext uri="{C572A759-6A51-4108-AA02-DFA0A04FC94B}">
-              <ma14:wrappingTextBoxFlag xmlns:ma14="http://schemas.microsoft.com/office/mac/drawingml/2011/main" val="1"/>
+              <ma14:wrappingTextBoxFlag xmlns:ma14="http://schemas.microsoft.com/office/mac/drawingml/2011/main" xmlns="" val="1"/>
             </a:ext>
           </a:extLst>
         </p:spPr>
@@ -1520,13 +1539,12 @@
               <a:defRPr sz="1800"/>
             </a:pPr>
             <a:r>
-              <a:rPr b="1" sz="2400"/>
+              <a:rPr sz="2400" b="1"/>
               <a:t>Hashtags</a:t>
             </a:r>
-            <a:endParaRPr b="1" sz="2400"/>
-          </a:p>
-          <a:p>
-            <a:pPr lvl="1" marL="742950" indent="-285750" defTabSz="457200">
+          </a:p>
+          <a:p>
+            <a:pPr marL="742950" lvl="1" indent="-285750" defTabSz="457200">
               <a:buSzPct val="100000"/>
               <a:buFont typeface="Arial"/>
               <a:buChar char="•"/>
@@ -1536,10 +1554,9 @@
               <a:rPr sz="2400"/>
               <a:t>Hashtags that have been labeled on the posts for the selected city</a:t>
             </a:r>
-            <a:endParaRPr sz="2400"/>
-          </a:p>
-          <a:p>
-            <a:pPr lvl="1" marL="742950" indent="-285750" defTabSz="457200">
+          </a:p>
+          <a:p>
+            <a:pPr marL="742950" lvl="1" indent="-285750" defTabSz="457200">
               <a:buSzPct val="100000"/>
               <a:buFont typeface="Arial"/>
               <a:buChar char="•"/>
@@ -1571,7 +1588,7 @@
           </a:ln>
           <a:extLst>
             <a:ext uri="{C572A759-6A51-4108-AA02-DFA0A04FC94B}">
-              <ma14:wrappingTextBoxFlag xmlns:ma14="http://schemas.microsoft.com/office/mac/drawingml/2011/main" val="1"/>
+              <ma14:wrappingTextBoxFlag xmlns:ma14="http://schemas.microsoft.com/office/mac/drawingml/2011/main" xmlns="" val="1"/>
             </a:ext>
           </a:extLst>
         </p:spPr>
@@ -1585,43 +1602,41 @@
               <a:defRPr sz="1800"/>
             </a:pPr>
             <a:r>
-              <a:rPr b="1" sz="2400"/>
+              <a:rPr sz="2400" b="1" dirty="0"/>
               <a:t>Instagram API</a:t>
             </a:r>
-            <a:endParaRPr sz="2400"/>
-          </a:p>
-          <a:p>
-            <a:pPr lvl="1" marL="914400" indent="-457200" defTabSz="457200">
+            <a:endParaRPr sz="2400" dirty="0"/>
+          </a:p>
+          <a:p>
+            <a:pPr marL="914400" lvl="1" indent="-457200" defTabSz="457200">
               <a:buSzPct val="100000"/>
               <a:buFont typeface="Arial"/>
               <a:buChar char="•"/>
               <a:defRPr sz="1800"/>
             </a:pPr>
             <a:r>
-              <a:rPr sz="2400"/>
+              <a:rPr sz="2400" dirty="0"/>
               <a:t>Instagram endpoint API returns location, filter and likes data for every post</a:t>
             </a:r>
-            <a:endParaRPr sz="2400"/>
-          </a:p>
-          <a:p>
-            <a:pPr lvl="1" marL="914400" indent="-457200" defTabSz="457200">
+          </a:p>
+          <a:p>
+            <a:pPr marL="914400" lvl="1" indent="-457200" defTabSz="457200">
               <a:buSzPct val="100000"/>
               <a:buFont typeface="Arial"/>
               <a:buChar char="•"/>
               <a:defRPr sz="1800"/>
             </a:pPr>
             <a:r>
-              <a:rPr sz="2400"/>
+              <a:rPr sz="2400" dirty="0"/>
               <a:t>Averagely scripting 2,000 - 3,000 posts data based on the 50 different cities’ location </a:t>
             </a:r>
-            <a:endParaRPr sz="2400"/>
           </a:p>
           <a:p>
             <a:pPr lvl="0" defTabSz="457200">
               <a:defRPr sz="1800"/>
             </a:pPr>
             <a:r>
-              <a:rPr b="1" sz="2400"/>
+              <a:rPr sz="2400" b="1" dirty="0"/>
               <a:t>Data Processing</a:t>
             </a:r>
           </a:p>
@@ -1635,12 +1650,12 @@
         </p:nvGraphicFramePr>
         <p:xfrm>
           <a:off x="8832850" y="10687050"/>
-          <a:ext cx="9296400" cy="1266094"/>
+          <a:ext cx="9296400" cy="579437"/>
         </p:xfrm>
-        <a:graphic xmlns:a="http://schemas.openxmlformats.org/drawingml/2006/main">
+        <a:graphic>
           <a:graphicData uri="http://schemas.openxmlformats.org/drawingml/2006/table">
             <a:tbl>
-              <a:tblPr firstCol="0" firstRow="0" lastCol="0" lastRow="0" bandCol="0" bandRow="0" rtl="0">
+              <a:tblPr>
                 <a:tableStyleId>{4C3C2611-4C71-4FC5-86AE-919BDF0F9419}</a:tableStyleId>
               </a:tblPr>
               <a:tblGrid>
@@ -1653,10 +1668,10 @@
                     <a:lstStyle/>
                     <a:p>
                       <a:pPr lvl="0" algn="ctr" defTabSz="457200">
-                        <a:defRPr b="0" i="0" sz="1800"/>
+                        <a:defRPr sz="1800" b="0" i="0"/>
                       </a:pPr>
                       <a:r>
-                        <a:rPr b="1" sz="3200">
+                        <a:rPr sz="3200" b="1" dirty="0">
                           <a:solidFill>
                             <a:srgbClr val="FFFFFF"/>
                           </a:solidFill>
@@ -1665,7 +1680,7 @@
                       </a:r>
                     </a:p>
                   </a:txBody>
-                  <a:tcPr marL="45702" marR="45702" marT="45702" marB="45702" anchor="t" anchorCtr="0" horzOverflow="overflow">
+                  <a:tcPr marL="45702" marR="45702" marT="45702" marB="45702" horzOverflow="overflow">
                     <a:lnL w="12700">
                       <a:solidFill>
                         <a:srgbClr val="FFFFFF"/>
@@ -1708,12 +1723,12 @@
         </p:nvGraphicFramePr>
         <p:xfrm>
           <a:off x="8839200" y="3916362"/>
-          <a:ext cx="9296400" cy="1266094"/>
+          <a:ext cx="9296400" cy="579437"/>
         </p:xfrm>
-        <a:graphic xmlns:a="http://schemas.openxmlformats.org/drawingml/2006/main">
+        <a:graphic>
           <a:graphicData uri="http://schemas.openxmlformats.org/drawingml/2006/table">
             <a:tbl>
-              <a:tblPr firstCol="0" firstRow="0" lastCol="0" lastRow="0" bandCol="0" bandRow="0" rtl="0">
+              <a:tblPr>
                 <a:tableStyleId>{4C3C2611-4C71-4FC5-86AE-919BDF0F9419}</a:tableStyleId>
               </a:tblPr>
               <a:tblGrid>
@@ -1726,10 +1741,10 @@
                     <a:lstStyle/>
                     <a:p>
                       <a:pPr lvl="0" algn="ctr" defTabSz="457200">
-                        <a:defRPr b="0" i="0" sz="1800"/>
+                        <a:defRPr sz="1800" b="0" i="0"/>
                       </a:pPr>
                       <a:r>
-                        <a:rPr b="1" sz="3200">
+                        <a:rPr sz="3200" b="1">
                           <a:solidFill>
                             <a:srgbClr val="FFFFFF"/>
                           </a:solidFill>
@@ -1738,7 +1753,7 @@
                       </a:r>
                     </a:p>
                   </a:txBody>
-                  <a:tcPr marL="45702" marR="45702" marT="45702" marB="45702" anchor="t" anchorCtr="0" horzOverflow="overflow">
+                  <a:tcPr marL="45702" marR="45702" marT="45702" marB="45702" horzOverflow="overflow">
                     <a:lnL w="12700">
                       <a:solidFill>
                         <a:srgbClr val="FFFFFF"/>
@@ -1782,7 +1797,7 @@
         <p:spPr>
           <a:xfrm>
             <a:off x="374650" y="4739128"/>
-            <a:ext cx="7772400" cy="10022593"/>
+            <a:ext cx="7772400" cy="10802957"/>
           </a:xfrm>
           <a:prstGeom prst="rect">
             <a:avLst/>
@@ -1792,7 +1807,7 @@
           </a:ln>
           <a:extLst>
             <a:ext uri="{C572A759-6A51-4108-AA02-DFA0A04FC94B}">
-              <ma14:wrappingTextBoxFlag xmlns:ma14="http://schemas.microsoft.com/office/mac/drawingml/2011/main" val="1"/>
+              <ma14:wrappingTextBoxFlag xmlns:ma14="http://schemas.microsoft.com/office/mac/drawingml/2011/main" xmlns="" val="1"/>
             </a:ext>
           </a:extLst>
         </p:spPr>
@@ -1806,75 +1821,174 @@
               <a:defRPr sz="1800"/>
             </a:pPr>
             <a:r>
-              <a:rPr b="1" sz="2400"/>
+              <a:rPr sz="2400" b="1" dirty="0"/>
               <a:t>Problem:</a:t>
             </a:r>
-            <a:endParaRPr b="1" sz="2400"/>
           </a:p>
           <a:p>
             <a:pPr lvl="0" defTabSz="457200">
               <a:defRPr sz="1800"/>
             </a:pPr>
             <a:r>
-              <a:rPr sz="2400"/>
-              <a:t>This project analyzing the relationship of Instagram filter data with location, number of likes and hashtag to give user filter suggestion to achieve more likes based on user’s location and the photo content, and analyzing visual culture differences between the cities. It shows three types of data relationship: first, filter usage based on different cities; second, in each city the number of likes of each filter; third, in each city what hashtag are been labeled most.</a:t>
-            </a:r>
-            <a:endParaRPr sz="2400"/>
+              <a:rPr sz="2400" dirty="0"/>
+              <a:t>This project </a:t>
+            </a:r>
+            <a:r>
+              <a:rPr sz="2400" dirty="0" smtClean="0"/>
+              <a:t>analyz</a:t>
+            </a:r>
+            <a:r>
+              <a:rPr lang="en-US" sz="2400" dirty="0" smtClean="0"/>
+              <a:t>es</a:t>
+            </a:r>
+            <a:r>
+              <a:rPr sz="2400" dirty="0" smtClean="0"/>
+              <a:t> </a:t>
+            </a:r>
+            <a:r>
+              <a:rPr sz="2400" dirty="0"/>
+              <a:t>the relationship of Instagram filter data with location, number of likes and hashtag to give </a:t>
+            </a:r>
+            <a:r>
+              <a:rPr sz="2400" dirty="0" smtClean="0"/>
+              <a:t>user</a:t>
+            </a:r>
+            <a:r>
+              <a:rPr lang="en-US" sz="2400" dirty="0" smtClean="0"/>
+              <a:t>s</a:t>
+            </a:r>
+            <a:r>
+              <a:rPr sz="2400" dirty="0" smtClean="0"/>
+              <a:t> </a:t>
+            </a:r>
+            <a:r>
+              <a:rPr sz="2400" dirty="0"/>
+              <a:t>filter suggestion </a:t>
+            </a:r>
+            <a:r>
+              <a:rPr lang="en-US" sz="2400" dirty="0" smtClean="0"/>
+              <a:t>on</a:t>
+            </a:r>
+            <a:r>
+              <a:rPr sz="2400" dirty="0" smtClean="0"/>
+              <a:t> achiev</a:t>
+            </a:r>
+            <a:r>
+              <a:rPr lang="en-US" sz="2400" dirty="0" smtClean="0"/>
+              <a:t>ing</a:t>
+            </a:r>
+            <a:r>
+              <a:rPr sz="2400" dirty="0" smtClean="0"/>
+              <a:t> </a:t>
+            </a:r>
+            <a:r>
+              <a:rPr sz="2400" dirty="0"/>
+              <a:t>more likes based on </a:t>
+            </a:r>
+            <a:r>
+              <a:rPr sz="2400" dirty="0" smtClean="0"/>
+              <a:t>users</a:t>
+            </a:r>
+            <a:r>
+              <a:rPr lang="en-US" sz="2400" dirty="0" smtClean="0"/>
+              <a:t>'</a:t>
+            </a:r>
+            <a:r>
+              <a:rPr sz="2400" dirty="0" smtClean="0"/>
+              <a:t> </a:t>
+            </a:r>
+            <a:r>
+              <a:rPr sz="2400" dirty="0"/>
+              <a:t>location and the photo content, and </a:t>
+            </a:r>
+            <a:r>
+              <a:rPr sz="2400" dirty="0" smtClean="0"/>
+              <a:t>analyz</a:t>
+            </a:r>
+            <a:r>
+              <a:rPr lang="en-US" sz="2400" dirty="0" smtClean="0"/>
+              <a:t>es</a:t>
+            </a:r>
+            <a:r>
+              <a:rPr sz="2400" dirty="0" smtClean="0"/>
+              <a:t> </a:t>
+            </a:r>
+            <a:r>
+              <a:rPr sz="2400" dirty="0"/>
+              <a:t>visual culture differences between the cities. It shows three types of data relationship: first, filter usage based on different cities; second, in each city the number of likes of each filter; third, in each city what hashtag are </a:t>
+            </a:r>
+            <a:r>
+              <a:rPr sz="2400" dirty="0" smtClean="0"/>
+              <a:t>labeled </a:t>
+            </a:r>
+            <a:r>
+              <a:rPr sz="2400" dirty="0"/>
+              <a:t>most.</a:t>
+            </a:r>
           </a:p>
           <a:p>
             <a:pPr lvl="0" defTabSz="457200">
               <a:defRPr sz="1800"/>
             </a:pPr>
-            <a:endParaRPr sz="2400"/>
+            <a:endParaRPr sz="2400" dirty="0"/>
           </a:p>
           <a:p>
             <a:pPr lvl="0" defTabSz="457200">
               <a:defRPr sz="1800"/>
             </a:pPr>
             <a:r>
-              <a:rPr b="1" sz="2400"/>
+              <a:rPr sz="2400" b="1" dirty="0"/>
               <a:t>Motivation:</a:t>
             </a:r>
-            <a:endParaRPr b="1" sz="2400"/>
           </a:p>
           <a:p>
             <a:pPr lvl="0" defTabSz="457200">
               <a:defRPr sz="1800"/>
             </a:pPr>
             <a:r>
-              <a:rPr sz="2400"/>
+              <a:rPr sz="2400" dirty="0"/>
               <a:t>You may have ever scrolled through the Instagram filter list back and force worrying about which one to use, and how to make more people like it. But since culture background and contents varies a lot from photo to photo, it is hard to make a simple suggestion that let everyone like it. To solve this problem our project analyzes the Instagram filter data based on location, likes and hashtag.</a:t>
             </a:r>
-            <a:endParaRPr sz="2400"/>
           </a:p>
           <a:p>
             <a:pPr lvl="0" defTabSz="457200">
               <a:defRPr sz="1800"/>
             </a:pPr>
-            <a:endParaRPr sz="2400"/>
+            <a:endParaRPr sz="2400" dirty="0"/>
           </a:p>
           <a:p>
             <a:pPr lvl="0" defTabSz="457200">
               <a:defRPr sz="1800"/>
             </a:pPr>
             <a:r>
-              <a:rPr sz="2400"/>
-              <a:t>This project analyzes how filter usage distributed in 50 cities, which are the cities with most population in each state of United States, and it also shows the number of likes for each filter. This shows the filter preference and how culture varies at different places. It also analyzes the number of hashtags been labeled on the posts for each city. </a:t>
-            </a:r>
-            <a:endParaRPr sz="2400"/>
+              <a:rPr sz="2400" dirty="0"/>
+              <a:t>This project analyzes how filter usage </a:t>
+            </a:r>
+            <a:r>
+              <a:rPr lang="en-US" sz="2400" dirty="0" smtClean="0"/>
+              <a:t>are </a:t>
+            </a:r>
+            <a:r>
+              <a:rPr sz="2400" dirty="0" smtClean="0"/>
+              <a:t>distributed </a:t>
+            </a:r>
+            <a:r>
+              <a:rPr sz="2400" dirty="0"/>
+              <a:t>in 50 cities, which are the cities with most population in each state of United States, and it also shows the number of likes for each filter. This shows the filter preference and how culture varies at different places. It also analyzes the number of hashtags been labeled on the posts for each city. </a:t>
+            </a:r>
           </a:p>
           <a:p>
             <a:pPr lvl="0" defTabSz="457200">
               <a:defRPr sz="1800"/>
             </a:pPr>
-            <a:endParaRPr sz="2400"/>
+            <a:endParaRPr sz="2400" dirty="0"/>
           </a:p>
           <a:p>
             <a:pPr lvl="0" defTabSz="457200">
               <a:defRPr sz="1800"/>
             </a:pPr>
             <a:r>
-              <a:rPr sz="2400"/>
+              <a:rPr sz="2400" dirty="0"/>
               <a:t>The goal of this project is to give useful filter suggestion and showing visual culture and content differences for different states. </a:t>
             </a:r>
           </a:p>
@@ -1899,7 +2013,7 @@
           </a:ln>
           <a:extLst>
             <a:ext uri="{C572A759-6A51-4108-AA02-DFA0A04FC94B}">
-              <ma14:wrappingTextBoxFlag xmlns:ma14="http://schemas.microsoft.com/office/mac/drawingml/2011/main" val="1"/>
+              <ma14:wrappingTextBoxFlag xmlns:ma14="http://schemas.microsoft.com/office/mac/drawingml/2011/main" xmlns="" val="1"/>
             </a:ext>
           </a:extLst>
         </p:spPr>
@@ -1913,13 +2027,12 @@
               <a:defRPr sz="1800"/>
             </a:pPr>
             <a:r>
-              <a:rPr b="1" sz="2400"/>
+              <a:rPr sz="2400" b="1"/>
               <a:t>City Dots</a:t>
             </a:r>
-            <a:endParaRPr b="1" sz="2400"/>
-          </a:p>
-          <a:p>
-            <a:pPr lvl="1" marL="914400" indent="-457200" defTabSz="457200">
+          </a:p>
+          <a:p>
+            <a:pPr marL="914400" lvl="1" indent="-457200" defTabSz="457200">
               <a:buSzPct val="100000"/>
               <a:buFont typeface="Arial"/>
               <a:buChar char="•"/>
@@ -1929,10 +2042,9 @@
               <a:rPr sz="2400"/>
               <a:t>The city with most population of that state </a:t>
             </a:r>
-            <a:endParaRPr sz="2400"/>
-          </a:p>
-          <a:p>
-            <a:pPr lvl="1" marL="914400" indent="-457200" defTabSz="457200">
+          </a:p>
+          <a:p>
+            <a:pPr marL="914400" lvl="1" indent="-457200" defTabSz="457200">
               <a:buSzPct val="100000"/>
               <a:buFont typeface="Arial"/>
               <a:buChar char="•"/>
@@ -1942,20 +2054,18 @@
               <a:rPr sz="2400"/>
               <a:t>Mouse click the city dot, a PI chart shows up giving the relationship of filters and likes at that city and a word could shows up showing the number of some hashtags been labeled in that city</a:t>
             </a:r>
-            <a:endParaRPr sz="2400"/>
           </a:p>
           <a:p>
             <a:pPr lvl="0" defTabSz="457200">
               <a:defRPr sz="1800"/>
             </a:pPr>
             <a:r>
-              <a:rPr b="1" sz="2400"/>
+              <a:rPr sz="2400" b="1"/>
               <a:t>Color</a:t>
             </a:r>
-            <a:endParaRPr b="1" sz="2400"/>
-          </a:p>
-          <a:p>
-            <a:pPr lvl="1" marL="914400" indent="-457200" defTabSz="457200">
+          </a:p>
+          <a:p>
+            <a:pPr marL="914400" lvl="1" indent="-457200" defTabSz="457200">
               <a:buSzPct val="100000"/>
               <a:buFont typeface="Arial"/>
               <a:buChar char="•"/>
@@ -2014,7 +2124,7 @@
           </a:ln>
           <a:extLst>
             <a:ext uri="{C572A759-6A51-4108-AA02-DFA0A04FC94B}">
-              <ma14:wrappingTextBoxFlag xmlns:ma14="http://schemas.microsoft.com/office/mac/drawingml/2011/main" val="1"/>
+              <ma14:wrappingTextBoxFlag xmlns:ma14="http://schemas.microsoft.com/office/mac/drawingml/2011/main" xmlns="" val="1"/>
             </a:ext>
           </a:extLst>
         </p:spPr>
@@ -2028,89 +2138,102 @@
               <a:defRPr sz="1800"/>
             </a:pPr>
             <a:r>
-              <a:rPr b="1" sz="2400"/>
+              <a:rPr sz="2400" b="1" dirty="0"/>
               <a:t>D3.js</a:t>
             </a:r>
-            <a:endParaRPr sz="2400"/>
-          </a:p>
-          <a:p>
-            <a:pPr lvl="1" marL="914400" indent="-457200" defTabSz="457200">
+            <a:endParaRPr sz="2400" dirty="0"/>
+          </a:p>
+          <a:p>
+            <a:pPr marL="914400" lvl="1" indent="-457200" defTabSz="457200">
               <a:buSzPct val="100000"/>
               <a:buFont typeface="Arial"/>
               <a:buChar char="•"/>
               <a:defRPr sz="1800"/>
             </a:pPr>
             <a:r>
-              <a:rPr sz="2400"/>
+              <a:rPr sz="2400" dirty="0"/>
               <a:t>JavaScript library for manipulating documents based on data</a:t>
             </a:r>
-            <a:endParaRPr sz="2400"/>
           </a:p>
           <a:p>
             <a:pPr lvl="0" defTabSz="457200">
               <a:defRPr sz="1800"/>
             </a:pPr>
             <a:r>
-              <a:rPr b="1" sz="2400"/>
+              <a:rPr sz="2400" b="1" dirty="0"/>
               <a:t>Data Maps</a:t>
             </a:r>
-            <a:endParaRPr sz="2400"/>
-          </a:p>
-          <a:p>
-            <a:pPr lvl="1" marL="914400" indent="-457200" defTabSz="457200">
+            <a:endParaRPr sz="2400" dirty="0"/>
+          </a:p>
+          <a:p>
+            <a:pPr marL="914400" lvl="1" indent="-457200" defTabSz="457200">
               <a:buSzPct val="100000"/>
               <a:buFont typeface="Arial"/>
               <a:buChar char="•"/>
               <a:defRPr sz="1800"/>
             </a:pPr>
             <a:r>
-              <a:rPr sz="2400"/>
-              <a:t>Customizable SVG map visualizations for the web in a single Javascript file using D3.js</a:t>
-            </a:r>
-            <a:endParaRPr sz="2400"/>
+              <a:rPr sz="2400" dirty="0"/>
+              <a:t>Customizable SVG map visualizations for the web in a single </a:t>
+            </a:r>
+            <a:r>
+              <a:rPr sz="2400" dirty="0" err="1"/>
+              <a:t>Javascript</a:t>
+            </a:r>
+            <a:r>
+              <a:rPr sz="2400" dirty="0"/>
+              <a:t> file using D3.js</a:t>
+            </a:r>
           </a:p>
           <a:p>
             <a:pPr lvl="0" defTabSz="457200">
               <a:defRPr sz="1800"/>
             </a:pPr>
             <a:r>
-              <a:rPr b="1" sz="2400"/>
+              <a:rPr sz="2400" b="1" dirty="0"/>
               <a:t>Word Cloud</a:t>
             </a:r>
-            <a:endParaRPr sz="2400"/>
-          </a:p>
-          <a:p>
-            <a:pPr lvl="1" marL="914400" indent="-457200" defTabSz="457200">
+            <a:endParaRPr sz="2400" dirty="0"/>
+          </a:p>
+          <a:p>
+            <a:pPr marL="914400" lvl="1" indent="-457200" defTabSz="457200">
               <a:buSzPct val="100000"/>
               <a:buFont typeface="Arial"/>
               <a:buChar char="•"/>
               <a:defRPr sz="1800"/>
             </a:pPr>
             <a:r>
-              <a:rPr sz="2400"/>
-              <a:t>A Wordle-inspired word cloud layout written in JavaScript. It uses HTML5 canvas and sprite masks to achieve near-interactive speeds.</a:t>
-            </a:r>
-            <a:endParaRPr sz="2400"/>
+              <a:rPr sz="2400" dirty="0"/>
+              <a:t>A </a:t>
+            </a:r>
+            <a:r>
+              <a:rPr sz="2400" dirty="0" err="1"/>
+              <a:t>Wordle</a:t>
+            </a:r>
+            <a:r>
+              <a:rPr sz="2400" dirty="0"/>
+              <a:t>-inspired word cloud layout written in JavaScript. It uses HTML5 canvas and sprite masks to achieve near-interactive speeds.</a:t>
+            </a:r>
           </a:p>
           <a:p>
             <a:pPr lvl="0" defTabSz="457200">
               <a:defRPr sz="1800"/>
             </a:pPr>
             <a:r>
-              <a:rPr b="1" sz="2400"/>
+              <a:rPr sz="2400" b="1" dirty="0"/>
               <a:t>Aster Plot</a:t>
             </a:r>
-            <a:endParaRPr sz="2400"/>
-          </a:p>
-          <a:p>
-            <a:pPr lvl="1" marL="914400" indent="-457200" defTabSz="457200">
+            <a:endParaRPr sz="2400" dirty="0"/>
+          </a:p>
+          <a:p>
+            <a:pPr marL="914400" lvl="1" indent="-457200" defTabSz="457200">
               <a:buSzPct val="100000"/>
               <a:buFont typeface="Arial"/>
               <a:buChar char="•"/>
               <a:defRPr sz="1800"/>
             </a:pPr>
             <a:r>
-              <a:rPr sz="2400"/>
+              <a:rPr sz="2400" dirty="0"/>
               <a:t>Aster plot displays pie slices using D3.js</a:t>
             </a:r>
           </a:p>
@@ -2126,7 +2249,7 @@
           <a:blip r:embed="rId4">
             <a:extLst/>
           </a:blip>
-          <a:srcRect l="0" t="25568" r="0" b="27275"/>
+          <a:srcRect t="25568" b="27275"/>
           <a:stretch>
             <a:fillRect/>
           </a:stretch>
@@ -2191,7 +2314,7 @@
           </a:ln>
           <a:extLst>
             <a:ext uri="{C572A759-6A51-4108-AA02-DFA0A04FC94B}">
-              <ma14:wrappingTextBoxFlag xmlns:ma14="http://schemas.microsoft.com/office/mac/drawingml/2011/main" val="1"/>
+              <ma14:wrappingTextBoxFlag xmlns:ma14="http://schemas.microsoft.com/office/mac/drawingml/2011/main" xmlns="" val="1"/>
             </a:ext>
           </a:extLst>
         </p:spPr>
@@ -2205,13 +2328,12 @@
               <a:defRPr sz="1800"/>
             </a:pPr>
             <a:r>
-              <a:rPr b="1" sz="2400"/>
+              <a:rPr sz="2400" b="1"/>
               <a:t>Computer Vision Analysis</a:t>
             </a:r>
-            <a:endParaRPr b="1" sz="2400"/>
-          </a:p>
-          <a:p>
-            <a:pPr lvl="1" marL="914400" indent="-457200" defTabSz="457200">
+          </a:p>
+          <a:p>
+            <a:pPr marL="914400" lvl="1" indent="-457200" defTabSz="457200">
               <a:buSzPct val="100000"/>
               <a:buFont typeface="Arial"/>
               <a:buChar char="•"/>
@@ -2221,20 +2343,18 @@
               <a:rPr sz="2400"/>
               <a:t>Since not all the photos are labeled with hashtags and not all the hashtags are correctly showing the content in each photo, using computer vision to analysis the real photo content, the style of the scenes and the major color theme may have stronger correlation with the filter types.</a:t>
             </a:r>
-            <a:endParaRPr sz="2400"/>
           </a:p>
           <a:p>
             <a:pPr lvl="0" defTabSz="457200">
               <a:defRPr sz="1800"/>
             </a:pPr>
             <a:r>
-              <a:rPr b="1" sz="2400"/>
+              <a:rPr sz="2400" b="1"/>
               <a:t>Relationship with Time</a:t>
             </a:r>
-            <a:endParaRPr b="1" sz="2400"/>
-          </a:p>
-          <a:p>
-            <a:pPr lvl="1" marL="914400" indent="-457200" defTabSz="457200">
+          </a:p>
+          <a:p>
+            <a:pPr marL="914400" lvl="1" indent="-457200" defTabSz="457200">
               <a:buSzPct val="100000"/>
               <a:buFont typeface="Arial"/>
               <a:buChar char="•"/>
@@ -2244,20 +2364,19 @@
               <a:rPr sz="2400"/>
               <a:t>As the time changes people’s vision preference may also changes, so the preference of filters may shifts as the time changes, we can learn the relationship with filters, likes and time to learn how visual preference changes and give out more current filter suggestion.</a:t>
             </a:r>
-            <a:endParaRPr sz="2400"/>
           </a:p>
           <a:p>
             <a:pPr lvl="0" defTabSz="457200">
               <a:defRPr sz="1800"/>
             </a:pPr>
             <a:r>
-              <a:rPr b="1" sz="2400"/>
+              <a:rPr sz="2400" b="1"/>
               <a:t>World Map</a:t>
             </a:r>
             <a:endParaRPr sz="2400"/>
           </a:p>
           <a:p>
-            <a:pPr lvl="1" marL="914400" indent="-457200" defTabSz="457200">
+            <a:pPr marL="914400" lvl="1" indent="-457200" defTabSz="457200">
               <a:buSzPct val="100000"/>
               <a:buFont typeface="Arial"/>
               <a:buChar char="•"/>
@@ -2286,8 +2405,8 @@
         </p:blipFill>
         <p:spPr>
           <a:xfrm>
-            <a:off x="8625747" y="6583082"/>
-            <a:ext cx="9710606" cy="796957"/>
+            <a:off x="8625747" y="6763657"/>
+            <a:ext cx="9710606" cy="616382"/>
           </a:xfrm>
           <a:prstGeom prst="rect">
             <a:avLst/>
@@ -2343,7 +2462,7 @@
           </a:ln>
           <a:extLst>
             <a:ext uri="{C572A759-6A51-4108-AA02-DFA0A04FC94B}">
-              <ma14:wrappingTextBoxFlag xmlns:ma14="http://schemas.microsoft.com/office/mac/drawingml/2011/main" val="1"/>
+              <ma14:wrappingTextBoxFlag xmlns:ma14="http://schemas.microsoft.com/office/mac/drawingml/2011/main" xmlns="" val="1"/>
             </a:ext>
           </a:extLst>
         </p:spPr>
@@ -2353,27 +2472,26 @@
           </a:bodyPr>
           <a:lstStyle/>
           <a:p>
-            <a:pPr lvl="1" marL="914400" indent="-457200" defTabSz="457200">
+            <a:pPr marL="914400" lvl="1" indent="-457200" defTabSz="457200">
               <a:buSzPct val="100000"/>
               <a:buFont typeface="Arial"/>
               <a:buChar char="•"/>
               <a:defRPr sz="1800"/>
             </a:pPr>
             <a:r>
-              <a:rPr sz="2400"/>
+              <a:rPr sz="2400" dirty="0"/>
               <a:t>Feature selection: for each city, selecting time, filter, number of likes and hashtags as the features for each post. </a:t>
             </a:r>
-            <a:endParaRPr sz="2400"/>
-          </a:p>
-          <a:p>
-            <a:pPr lvl="1" marL="914400" indent="-457200" defTabSz="457200">
+          </a:p>
+          <a:p>
+            <a:pPr marL="914400" lvl="1" indent="-457200" defTabSz="457200">
               <a:buSzPct val="100000"/>
               <a:buFont typeface="Arial"/>
               <a:buChar char="•"/>
               <a:defRPr sz="1800"/>
             </a:pPr>
             <a:r>
-              <a:rPr sz="2400"/>
+              <a:rPr sz="2400" dirty="0"/>
               <a:t>Pre-analysis: using the Tableau pre-analysis the relationship of filter location, likes and hashtag to a make sure there are some correlation  between those data.</a:t>
             </a:r>
           </a:p>
@@ -2398,7 +2516,7 @@
           </a:ln>
           <a:extLst>
             <a:ext uri="{C572A759-6A51-4108-AA02-DFA0A04FC94B}">
-              <ma14:wrappingTextBoxFlag xmlns:ma14="http://schemas.microsoft.com/office/mac/drawingml/2011/main" val="1"/>
+              <ma14:wrappingTextBoxFlag xmlns:ma14="http://schemas.microsoft.com/office/mac/drawingml/2011/main" xmlns="" val="1"/>
             </a:ext>
           </a:extLst>
         </p:spPr>
@@ -2412,13 +2530,12 @@
               <a:defRPr sz="1800"/>
             </a:pPr>
             <a:r>
-              <a:rPr b="1" sz="2400"/>
+              <a:rPr sz="2400" b="1"/>
               <a:t>Pi Slice Size</a:t>
             </a:r>
-            <a:endParaRPr b="1" sz="2400"/>
-          </a:p>
-          <a:p>
-            <a:pPr lvl="1" marL="914400" indent="-457200" defTabSz="457200">
+          </a:p>
+          <a:p>
+            <a:pPr marL="914400" lvl="1" indent="-457200" defTabSz="457200">
               <a:buSzPct val="100000"/>
               <a:buFont typeface="Arial"/>
               <a:buChar char="•"/>
@@ -2428,10 +2545,9 @@
               <a:rPr sz="2400"/>
               <a:t>Larger size of slice means more posts for that given filter type; Smaller size of slice means less posts for that filter type for the selected city.</a:t>
             </a:r>
-            <a:endParaRPr sz="2400"/>
-          </a:p>
-          <a:p>
-            <a:pPr lvl="1" marL="342900" indent="114300" defTabSz="457200">
+          </a:p>
+          <a:p>
+            <a:pPr marL="342900" lvl="1" indent="114300" defTabSz="457200">
               <a:defRPr sz="1800"/>
             </a:pPr>
             <a:endParaRPr sz="1000"/>
@@ -2441,13 +2557,12 @@
               <a:defRPr sz="1800"/>
             </a:pPr>
             <a:r>
-              <a:rPr b="1" sz="2400"/>
+              <a:rPr sz="2400" b="1"/>
               <a:t>Color</a:t>
             </a:r>
-            <a:endParaRPr b="1" sz="2400"/>
-          </a:p>
-          <a:p>
-            <a:pPr lvl="1" marL="914400" indent="-457200" defTabSz="457200">
+          </a:p>
+          <a:p>
+            <a:pPr marL="914400" lvl="1" indent="-457200" defTabSz="457200">
               <a:buSzPct val="100000"/>
               <a:buFont typeface="Arial"/>
               <a:buChar char="•"/>
@@ -2546,12 +2661,19 @@
   <p:clrMapOvr>
     <a:masterClrMapping/>
   </p:clrMapOvr>
-  <p:transition spd="med" advClick="1"/>
+  <p:transition spd="med"/>
+  <p:timing>
+    <p:tnLst>
+      <p:par>
+        <p:cTn id="1" dur="indefinite" restart="never" nodeType="tmRoot"/>
+      </p:par>
+    </p:tnLst>
+  </p:timing>
 </p:sld>
 </file>
 
 <file path=ppt/theme/theme1.xml><?xml version="1.0" encoding="utf-8"?>
-<a:theme xmlns:a="http://schemas.openxmlformats.org/drawingml/2006/main" xmlns:r="http://schemas.openxmlformats.org/officeDocument/2006/relationships" name="Default">
+<a:theme xmlns:a="http://schemas.openxmlformats.org/drawingml/2006/main" name="Default">
   <a:themeElements>
     <a:clrScheme name="Default">
       <a:dk1>
@@ -2683,7 +2805,7 @@
         </a:effectStyle>
         <a:effectStyle>
           <a:effectLst>
-            <a:outerShdw sx="100000" sy="100000" kx="0" ky="0" algn="b" rotWithShape="0" blurRad="38100" dist="20000" dir="5400000">
+            <a:outerShdw blurRad="38100" dist="20000" dir="5400000" rotWithShape="0">
               <a:srgbClr val="000000">
                 <a:alpha val="38000"/>
               </a:srgbClr>
@@ -2758,7 +2880,7 @@
         </a:ln>
         <a:effectLst/>
       </a:spPr>
-      <a:bodyPr rot="0" spcFirstLastPara="1" vertOverflow="overflow" horzOverflow="overflow" vert="horz" wrap="square" lIns="45719" tIns="45719" rIns="45719" bIns="45719" numCol="1" spcCol="38100" rtlCol="0" anchor="t" upright="0">
+      <a:bodyPr rot="0" spcFirstLastPara="1" vertOverflow="overflow" horzOverflow="overflow" vert="horz" wrap="square" lIns="45719" tIns="45719" rIns="45719" bIns="45719" numCol="1" spcCol="38100" rtlCol="0" anchor="t">
         <a:spAutoFit/>
       </a:bodyPr>
       <a:lstStyle>
@@ -2777,7 +2899,7 @@
           <a:buFontTx/>
           <a:buNone/>
           <a:tabLst/>
-          <a:defRPr b="0" baseline="0" cap="none" i="0" spc="0" strike="noStrike" sz="1600" u="none" kumimoji="0" normalizeH="0">
+          <a:defRPr kumimoji="0" sz="1600" b="0" i="0" u="none" strike="noStrike" cap="none" spc="0" normalizeH="0" baseline="0">
             <a:ln>
               <a:noFill/>
             </a:ln>
@@ -2807,7 +2929,7 @@
           <a:buFontTx/>
           <a:buNone/>
           <a:tabLst/>
-          <a:defRPr b="0" baseline="0" cap="none" i="0" spc="0" strike="noStrike" sz="1800" u="none" kumimoji="0" normalizeH="0">
+          <a:defRPr kumimoji="0" sz="1800" b="0" i="0" u="none" strike="noStrike" cap="none" spc="0" normalizeH="0" baseline="0">
             <a:ln>
               <a:noFill/>
             </a:ln>
@@ -2833,7 +2955,7 @@
           <a:buFontTx/>
           <a:buNone/>
           <a:tabLst/>
-          <a:defRPr b="0" baseline="0" cap="none" i="0" spc="0" strike="noStrike" sz="1800" u="none" kumimoji="0" normalizeH="0">
+          <a:defRPr kumimoji="0" sz="1800" b="0" i="0" u="none" strike="noStrike" cap="none" spc="0" normalizeH="0" baseline="0">
             <a:ln>
               <a:noFill/>
             </a:ln>
@@ -2859,7 +2981,7 @@
           <a:buFontTx/>
           <a:buNone/>
           <a:tabLst/>
-          <a:defRPr b="0" baseline="0" cap="none" i="0" spc="0" strike="noStrike" sz="1800" u="none" kumimoji="0" normalizeH="0">
+          <a:defRPr kumimoji="0" sz="1800" b="0" i="0" u="none" strike="noStrike" cap="none" spc="0" normalizeH="0" baseline="0">
             <a:ln>
               <a:noFill/>
             </a:ln>
@@ -2885,7 +3007,7 @@
           <a:buFontTx/>
           <a:buNone/>
           <a:tabLst/>
-          <a:defRPr b="0" baseline="0" cap="none" i="0" spc="0" strike="noStrike" sz="1800" u="none" kumimoji="0" normalizeH="0">
+          <a:defRPr kumimoji="0" sz="1800" b="0" i="0" u="none" strike="noStrike" cap="none" spc="0" normalizeH="0" baseline="0">
             <a:ln>
               <a:noFill/>
             </a:ln>
@@ -2911,7 +3033,7 @@
           <a:buFontTx/>
           <a:buNone/>
           <a:tabLst/>
-          <a:defRPr b="0" baseline="0" cap="none" i="0" spc="0" strike="noStrike" sz="1800" u="none" kumimoji="0" normalizeH="0">
+          <a:defRPr kumimoji="0" sz="1800" b="0" i="0" u="none" strike="noStrike" cap="none" spc="0" normalizeH="0" baseline="0">
             <a:ln>
               <a:noFill/>
             </a:ln>
@@ -2937,7 +3059,7 @@
           <a:buFontTx/>
           <a:buNone/>
           <a:tabLst/>
-          <a:defRPr b="0" baseline="0" cap="none" i="0" spc="0" strike="noStrike" sz="1800" u="none" kumimoji="0" normalizeH="0">
+          <a:defRPr kumimoji="0" sz="1800" b="0" i="0" u="none" strike="noStrike" cap="none" spc="0" normalizeH="0" baseline="0">
             <a:ln>
               <a:noFill/>
             </a:ln>
@@ -2963,7 +3085,7 @@
           <a:buFontTx/>
           <a:buNone/>
           <a:tabLst/>
-          <a:defRPr b="0" baseline="0" cap="none" i="0" spc="0" strike="noStrike" sz="1800" u="none" kumimoji="0" normalizeH="0">
+          <a:defRPr kumimoji="0" sz="1800" b="0" i="0" u="none" strike="noStrike" cap="none" spc="0" normalizeH="0" baseline="0">
             <a:ln>
               <a:noFill/>
             </a:ln>
@@ -2989,7 +3111,7 @@
           <a:buFontTx/>
           <a:buNone/>
           <a:tabLst/>
-          <a:defRPr b="0" baseline="0" cap="none" i="0" spc="0" strike="noStrike" sz="1800" u="none" kumimoji="0" normalizeH="0">
+          <a:defRPr kumimoji="0" sz="1800" b="0" i="0" u="none" strike="noStrike" cap="none" spc="0" normalizeH="0" baseline="0">
             <a:ln>
               <a:noFill/>
             </a:ln>
@@ -3015,7 +3137,7 @@
           <a:buFontTx/>
           <a:buNone/>
           <a:tabLst/>
-          <a:defRPr b="0" baseline="0" cap="none" i="0" spc="0" strike="noStrike" sz="1800" u="none" kumimoji="0" normalizeH="0">
+          <a:defRPr kumimoji="0" sz="1800" b="0" i="0" u="none" strike="noStrike" cap="none" spc="0" normalizeH="0" baseline="0">
             <a:ln>
               <a:noFill/>
             </a:ln>
@@ -3028,9 +3150,15 @@
         </a:lvl9pPr>
       </a:lstStyle>
       <a:style>
-        <a:lnRef idx="0"/>
-        <a:fillRef idx="0"/>
-        <a:effectRef idx="0"/>
+        <a:lnRef idx="0">
+          <a:scrgbClr r="0" g="0" b="0"/>
+        </a:lnRef>
+        <a:fillRef idx="0">
+          <a:scrgbClr r="0" g="0" b="0"/>
+        </a:fillRef>
+        <a:effectRef idx="0">
+          <a:scrgbClr r="0" g="0" b="0"/>
+        </a:effectRef>
         <a:fontRef idx="none"/>
       </a:style>
     </a:spDef>
@@ -3045,14 +3173,14 @@
           <a:bevel/>
         </a:ln>
         <a:effectLst>
-          <a:outerShdw sx="100000" sy="100000" kx="0" ky="0" algn="b" rotWithShape="0" blurRad="38100" dist="20000" dir="5400000">
+          <a:outerShdw blurRad="38100" dist="20000" dir="5400000" rotWithShape="0">
             <a:srgbClr val="000000">
               <a:alpha val="38000"/>
             </a:srgbClr>
           </a:outerShdw>
         </a:effectLst>
       </a:spPr>
-      <a:bodyPr rot="0" spcFirstLastPara="1" vertOverflow="overflow" horzOverflow="overflow" vert="horz" wrap="square" lIns="91439" tIns="45719" rIns="91439" bIns="45719" numCol="1" spcCol="38100" rtlCol="0" anchor="t" upright="0">
+      <a:bodyPr rot="0" spcFirstLastPara="1" vertOverflow="overflow" horzOverflow="overflow" vert="horz" wrap="square" lIns="91439" tIns="45719" rIns="91439" bIns="45719" numCol="1" spcCol="38100" rtlCol="0" anchor="t">
         <a:noAutofit/>
       </a:bodyPr>
       <a:lstStyle>
@@ -3071,7 +3199,7 @@
           <a:buFontTx/>
           <a:buNone/>
           <a:tabLst/>
-          <a:defRPr b="0" baseline="0" cap="none" i="0" spc="0" strike="noStrike" sz="1800" u="none" kumimoji="0" normalizeH="0">
+          <a:defRPr kumimoji="0" sz="1800" b="0" i="0" u="none" strike="noStrike" cap="none" spc="0" normalizeH="0" baseline="0">
             <a:ln>
               <a:noFill/>
             </a:ln>
@@ -3097,7 +3225,7 @@
           <a:buFontTx/>
           <a:buNone/>
           <a:tabLst/>
-          <a:defRPr b="0" baseline="0" cap="none" i="0" spc="0" strike="noStrike" sz="1800" u="none" kumimoji="0" normalizeH="0">
+          <a:defRPr kumimoji="0" sz="1800" b="0" i="0" u="none" strike="noStrike" cap="none" spc="0" normalizeH="0" baseline="0">
             <a:ln>
               <a:noFill/>
             </a:ln>
@@ -3123,7 +3251,7 @@
           <a:buFontTx/>
           <a:buNone/>
           <a:tabLst/>
-          <a:defRPr b="0" baseline="0" cap="none" i="0" spc="0" strike="noStrike" sz="1800" u="none" kumimoji="0" normalizeH="0">
+          <a:defRPr kumimoji="0" sz="1800" b="0" i="0" u="none" strike="noStrike" cap="none" spc="0" normalizeH="0" baseline="0">
             <a:ln>
               <a:noFill/>
             </a:ln>
@@ -3149,7 +3277,7 @@
           <a:buFontTx/>
           <a:buNone/>
           <a:tabLst/>
-          <a:defRPr b="0" baseline="0" cap="none" i="0" spc="0" strike="noStrike" sz="1800" u="none" kumimoji="0" normalizeH="0">
+          <a:defRPr kumimoji="0" sz="1800" b="0" i="0" u="none" strike="noStrike" cap="none" spc="0" normalizeH="0" baseline="0">
             <a:ln>
               <a:noFill/>
             </a:ln>
@@ -3175,7 +3303,7 @@
           <a:buFontTx/>
           <a:buNone/>
           <a:tabLst/>
-          <a:defRPr b="0" baseline="0" cap="none" i="0" spc="0" strike="noStrike" sz="1800" u="none" kumimoji="0" normalizeH="0">
+          <a:defRPr kumimoji="0" sz="1800" b="0" i="0" u="none" strike="noStrike" cap="none" spc="0" normalizeH="0" baseline="0">
             <a:ln>
               <a:noFill/>
             </a:ln>
@@ -3201,7 +3329,7 @@
           <a:buFontTx/>
           <a:buNone/>
           <a:tabLst/>
-          <a:defRPr b="0" baseline="0" cap="none" i="0" spc="0" strike="noStrike" sz="1800" u="none" kumimoji="0" normalizeH="0">
+          <a:defRPr kumimoji="0" sz="1800" b="0" i="0" u="none" strike="noStrike" cap="none" spc="0" normalizeH="0" baseline="0">
             <a:ln>
               <a:noFill/>
             </a:ln>
@@ -3227,7 +3355,7 @@
           <a:buFontTx/>
           <a:buNone/>
           <a:tabLst/>
-          <a:defRPr b="0" baseline="0" cap="none" i="0" spc="0" strike="noStrike" sz="1800" u="none" kumimoji="0" normalizeH="0">
+          <a:defRPr kumimoji="0" sz="1800" b="0" i="0" u="none" strike="noStrike" cap="none" spc="0" normalizeH="0" baseline="0">
             <a:ln>
               <a:noFill/>
             </a:ln>
@@ -3253,7 +3381,7 @@
           <a:buFontTx/>
           <a:buNone/>
           <a:tabLst/>
-          <a:defRPr b="0" baseline="0" cap="none" i="0" spc="0" strike="noStrike" sz="1800" u="none" kumimoji="0" normalizeH="0">
+          <a:defRPr kumimoji="0" sz="1800" b="0" i="0" u="none" strike="noStrike" cap="none" spc="0" normalizeH="0" baseline="0">
             <a:ln>
               <a:noFill/>
             </a:ln>
@@ -3279,7 +3407,7 @@
           <a:buFontTx/>
           <a:buNone/>
           <a:tabLst/>
-          <a:defRPr b="0" baseline="0" cap="none" i="0" spc="0" strike="noStrike" sz="1800" u="none" kumimoji="0" normalizeH="0">
+          <a:defRPr kumimoji="0" sz="1800" b="0" i="0" u="none" strike="noStrike" cap="none" spc="0" normalizeH="0" baseline="0">
             <a:ln>
               <a:noFill/>
             </a:ln>
@@ -3305,7 +3433,7 @@
           <a:buFontTx/>
           <a:buNone/>
           <a:tabLst/>
-          <a:defRPr b="0" baseline="0" cap="none" i="0" spc="0" strike="noStrike" sz="1800" u="none" kumimoji="0" normalizeH="0">
+          <a:defRPr kumimoji="0" sz="1800" b="0" i="0" u="none" strike="noStrike" cap="none" spc="0" normalizeH="0" baseline="0">
             <a:ln>
               <a:noFill/>
             </a:ln>
@@ -3318,9 +3446,15 @@
         </a:lvl9pPr>
       </a:lstStyle>
       <a:style>
-        <a:lnRef idx="0"/>
-        <a:fillRef idx="0"/>
-        <a:effectRef idx="0"/>
+        <a:lnRef idx="0">
+          <a:scrgbClr r="0" g="0" b="0"/>
+        </a:lnRef>
+        <a:fillRef idx="0">
+          <a:scrgbClr r="0" g="0" b="0"/>
+        </a:fillRef>
+        <a:effectRef idx="0">
+          <a:scrgbClr r="0" g="0" b="0"/>
+        </a:effectRef>
         <a:fontRef idx="none"/>
       </a:style>
     </a:lnDef>
@@ -3333,7 +3467,7 @@
         </a:ln>
         <a:effectLst/>
       </a:spPr>
-      <a:bodyPr rot="0" spcFirstLastPara="1" vertOverflow="overflow" horzOverflow="overflow" vert="horz" wrap="square" lIns="45719" tIns="45719" rIns="45719" bIns="45719" numCol="1" spcCol="38100" rtlCol="0" anchor="t" upright="0">
+      <a:bodyPr rot="0" spcFirstLastPara="1" vertOverflow="overflow" horzOverflow="overflow" vert="horz" wrap="square" lIns="45719" tIns="45719" rIns="45719" bIns="45719" numCol="1" spcCol="38100" rtlCol="0" anchor="t">
         <a:spAutoFit/>
       </a:bodyPr>
       <a:lstStyle>
@@ -3352,7 +3486,7 @@
           <a:buFontTx/>
           <a:buNone/>
           <a:tabLst/>
-          <a:defRPr b="0" baseline="0" cap="none" i="0" spc="0" strike="noStrike" sz="1600" u="none" kumimoji="0" normalizeH="0">
+          <a:defRPr kumimoji="0" sz="1600" b="0" i="0" u="none" strike="noStrike" cap="none" spc="0" normalizeH="0" baseline="0">
             <a:ln>
               <a:noFill/>
             </a:ln>
@@ -3382,7 +3516,7 @@
           <a:buFontTx/>
           <a:buNone/>
           <a:tabLst/>
-          <a:defRPr b="0" baseline="0" cap="none" i="0" spc="0" strike="noStrike" sz="1800" u="none" kumimoji="0" normalizeH="0">
+          <a:defRPr kumimoji="0" sz="1800" b="0" i="0" u="none" strike="noStrike" cap="none" spc="0" normalizeH="0" baseline="0">
             <a:ln>
               <a:noFill/>
             </a:ln>
@@ -3408,7 +3542,7 @@
           <a:buFontTx/>
           <a:buNone/>
           <a:tabLst/>
-          <a:defRPr b="0" baseline="0" cap="none" i="0" spc="0" strike="noStrike" sz="1800" u="none" kumimoji="0" normalizeH="0">
+          <a:defRPr kumimoji="0" sz="1800" b="0" i="0" u="none" strike="noStrike" cap="none" spc="0" normalizeH="0" baseline="0">
             <a:ln>
               <a:noFill/>
             </a:ln>
@@ -3434,7 +3568,7 @@
           <a:buFontTx/>
           <a:buNone/>
           <a:tabLst/>
-          <a:defRPr b="0" baseline="0" cap="none" i="0" spc="0" strike="noStrike" sz="1800" u="none" kumimoji="0" normalizeH="0">
+          <a:defRPr kumimoji="0" sz="1800" b="0" i="0" u="none" strike="noStrike" cap="none" spc="0" normalizeH="0" baseline="0">
             <a:ln>
               <a:noFill/>
             </a:ln>
@@ -3460,7 +3594,7 @@
           <a:buFontTx/>
           <a:buNone/>
           <a:tabLst/>
-          <a:defRPr b="0" baseline="0" cap="none" i="0" spc="0" strike="noStrike" sz="1800" u="none" kumimoji="0" normalizeH="0">
+          <a:defRPr kumimoji="0" sz="1800" b="0" i="0" u="none" strike="noStrike" cap="none" spc="0" normalizeH="0" baseline="0">
             <a:ln>
               <a:noFill/>
             </a:ln>
@@ -3486,7 +3620,7 @@
           <a:buFontTx/>
           <a:buNone/>
           <a:tabLst/>
-          <a:defRPr b="0" baseline="0" cap="none" i="0" spc="0" strike="noStrike" sz="1800" u="none" kumimoji="0" normalizeH="0">
+          <a:defRPr kumimoji="0" sz="1800" b="0" i="0" u="none" strike="noStrike" cap="none" spc="0" normalizeH="0" baseline="0">
             <a:ln>
               <a:noFill/>
             </a:ln>
@@ -3512,7 +3646,7 @@
           <a:buFontTx/>
           <a:buNone/>
           <a:tabLst/>
-          <a:defRPr b="0" baseline="0" cap="none" i="0" spc="0" strike="noStrike" sz="1800" u="none" kumimoji="0" normalizeH="0">
+          <a:defRPr kumimoji="0" sz="1800" b="0" i="0" u="none" strike="noStrike" cap="none" spc="0" normalizeH="0" baseline="0">
             <a:ln>
               <a:noFill/>
             </a:ln>
@@ -3538,7 +3672,7 @@
           <a:buFontTx/>
           <a:buNone/>
           <a:tabLst/>
-          <a:defRPr b="0" baseline="0" cap="none" i="0" spc="0" strike="noStrike" sz="1800" u="none" kumimoji="0" normalizeH="0">
+          <a:defRPr kumimoji="0" sz="1800" b="0" i="0" u="none" strike="noStrike" cap="none" spc="0" normalizeH="0" baseline="0">
             <a:ln>
               <a:noFill/>
             </a:ln>
@@ -3564,7 +3698,7 @@
           <a:buFontTx/>
           <a:buNone/>
           <a:tabLst/>
-          <a:defRPr b="0" baseline="0" cap="none" i="0" spc="0" strike="noStrike" sz="1800" u="none" kumimoji="0" normalizeH="0">
+          <a:defRPr kumimoji="0" sz="1800" b="0" i="0" u="none" strike="noStrike" cap="none" spc="0" normalizeH="0" baseline="0">
             <a:ln>
               <a:noFill/>
             </a:ln>
@@ -3590,7 +3724,7 @@
           <a:buFontTx/>
           <a:buNone/>
           <a:tabLst/>
-          <a:defRPr b="0" baseline="0" cap="none" i="0" spc="0" strike="noStrike" sz="1800" u="none" kumimoji="0" normalizeH="0">
+          <a:defRPr kumimoji="0" sz="1800" b="0" i="0" u="none" strike="noStrike" cap="none" spc="0" normalizeH="0" baseline="0">
             <a:ln>
               <a:noFill/>
             </a:ln>
@@ -3603,18 +3737,25 @@
         </a:lvl9pPr>
       </a:lstStyle>
       <a:style>
-        <a:lnRef idx="0"/>
-        <a:fillRef idx="0"/>
-        <a:effectRef idx="0"/>
+        <a:lnRef idx="0">
+          <a:scrgbClr r="0" g="0" b="0"/>
+        </a:lnRef>
+        <a:fillRef idx="0">
+          <a:scrgbClr r="0" g="0" b="0"/>
+        </a:fillRef>
+        <a:effectRef idx="0">
+          <a:scrgbClr r="0" g="0" b="0"/>
+        </a:effectRef>
         <a:fontRef idx="none"/>
       </a:style>
     </a:txDef>
   </a:objectDefaults>
+  <a:extraClrSchemeLst/>
 </a:theme>
 </file>
 
 <file path=ppt/theme/theme2.xml><?xml version="1.0" encoding="utf-8"?>
-<a:theme xmlns:a="http://schemas.openxmlformats.org/drawingml/2006/main" xmlns:r="http://schemas.openxmlformats.org/officeDocument/2006/relationships" name="Default">
+<a:theme xmlns:a="http://schemas.openxmlformats.org/drawingml/2006/main" name="Default">
   <a:themeElements>
     <a:clrScheme name="Default">
       <a:dk1>
@@ -3746,7 +3887,7 @@
         </a:effectStyle>
         <a:effectStyle>
           <a:effectLst>
-            <a:outerShdw sx="100000" sy="100000" kx="0" ky="0" algn="b" rotWithShape="0" blurRad="38100" dist="20000" dir="5400000">
+            <a:outerShdw blurRad="38100" dist="20000" dir="5400000" rotWithShape="0">
               <a:srgbClr val="000000">
                 <a:alpha val="38000"/>
               </a:srgbClr>
@@ -3821,7 +3962,7 @@
         </a:ln>
         <a:effectLst/>
       </a:spPr>
-      <a:bodyPr rot="0" spcFirstLastPara="1" vertOverflow="overflow" horzOverflow="overflow" vert="horz" wrap="square" lIns="45719" tIns="45719" rIns="45719" bIns="45719" numCol="1" spcCol="38100" rtlCol="0" anchor="t" upright="0">
+      <a:bodyPr rot="0" spcFirstLastPara="1" vertOverflow="overflow" horzOverflow="overflow" vert="horz" wrap="square" lIns="45719" tIns="45719" rIns="45719" bIns="45719" numCol="1" spcCol="38100" rtlCol="0" anchor="t">
         <a:spAutoFit/>
       </a:bodyPr>
       <a:lstStyle>
@@ -3840,7 +3981,7 @@
           <a:buFontTx/>
           <a:buNone/>
           <a:tabLst/>
-          <a:defRPr b="0" baseline="0" cap="none" i="0" spc="0" strike="noStrike" sz="1600" u="none" kumimoji="0" normalizeH="0">
+          <a:defRPr kumimoji="0" sz="1600" b="0" i="0" u="none" strike="noStrike" cap="none" spc="0" normalizeH="0" baseline="0">
             <a:ln>
               <a:noFill/>
             </a:ln>
@@ -3870,7 +4011,7 @@
           <a:buFontTx/>
           <a:buNone/>
           <a:tabLst/>
-          <a:defRPr b="0" baseline="0" cap="none" i="0" spc="0" strike="noStrike" sz="1800" u="none" kumimoji="0" normalizeH="0">
+          <a:defRPr kumimoji="0" sz="1800" b="0" i="0" u="none" strike="noStrike" cap="none" spc="0" normalizeH="0" baseline="0">
             <a:ln>
               <a:noFill/>
             </a:ln>
@@ -3896,7 +4037,7 @@
           <a:buFontTx/>
           <a:buNone/>
           <a:tabLst/>
-          <a:defRPr b="0" baseline="0" cap="none" i="0" spc="0" strike="noStrike" sz="1800" u="none" kumimoji="0" normalizeH="0">
+          <a:defRPr kumimoji="0" sz="1800" b="0" i="0" u="none" strike="noStrike" cap="none" spc="0" normalizeH="0" baseline="0">
             <a:ln>
               <a:noFill/>
             </a:ln>
@@ -3922,7 +4063,7 @@
           <a:buFontTx/>
           <a:buNone/>
           <a:tabLst/>
-          <a:defRPr b="0" baseline="0" cap="none" i="0" spc="0" strike="noStrike" sz="1800" u="none" kumimoji="0" normalizeH="0">
+          <a:defRPr kumimoji="0" sz="1800" b="0" i="0" u="none" strike="noStrike" cap="none" spc="0" normalizeH="0" baseline="0">
             <a:ln>
               <a:noFill/>
             </a:ln>
@@ -3948,7 +4089,7 @@
           <a:buFontTx/>
           <a:buNone/>
           <a:tabLst/>
-          <a:defRPr b="0" baseline="0" cap="none" i="0" spc="0" strike="noStrike" sz="1800" u="none" kumimoji="0" normalizeH="0">
+          <a:defRPr kumimoji="0" sz="1800" b="0" i="0" u="none" strike="noStrike" cap="none" spc="0" normalizeH="0" baseline="0">
             <a:ln>
               <a:noFill/>
             </a:ln>
@@ -3974,7 +4115,7 @@
           <a:buFontTx/>
           <a:buNone/>
           <a:tabLst/>
-          <a:defRPr b="0" baseline="0" cap="none" i="0" spc="0" strike="noStrike" sz="1800" u="none" kumimoji="0" normalizeH="0">
+          <a:defRPr kumimoji="0" sz="1800" b="0" i="0" u="none" strike="noStrike" cap="none" spc="0" normalizeH="0" baseline="0">
             <a:ln>
               <a:noFill/>
             </a:ln>
@@ -4000,7 +4141,7 @@
           <a:buFontTx/>
           <a:buNone/>
           <a:tabLst/>
-          <a:defRPr b="0" baseline="0" cap="none" i="0" spc="0" strike="noStrike" sz="1800" u="none" kumimoji="0" normalizeH="0">
+          <a:defRPr kumimoji="0" sz="1800" b="0" i="0" u="none" strike="noStrike" cap="none" spc="0" normalizeH="0" baseline="0">
             <a:ln>
               <a:noFill/>
             </a:ln>
@@ -4026,7 +4167,7 @@
           <a:buFontTx/>
           <a:buNone/>
           <a:tabLst/>
-          <a:defRPr b="0" baseline="0" cap="none" i="0" spc="0" strike="noStrike" sz="1800" u="none" kumimoji="0" normalizeH="0">
+          <a:defRPr kumimoji="0" sz="1800" b="0" i="0" u="none" strike="noStrike" cap="none" spc="0" normalizeH="0" baseline="0">
             <a:ln>
               <a:noFill/>
             </a:ln>
@@ -4052,7 +4193,7 @@
           <a:buFontTx/>
           <a:buNone/>
           <a:tabLst/>
-          <a:defRPr b="0" baseline="0" cap="none" i="0" spc="0" strike="noStrike" sz="1800" u="none" kumimoji="0" normalizeH="0">
+          <a:defRPr kumimoji="0" sz="1800" b="0" i="0" u="none" strike="noStrike" cap="none" spc="0" normalizeH="0" baseline="0">
             <a:ln>
               <a:noFill/>
             </a:ln>
@@ -4078,7 +4219,7 @@
           <a:buFontTx/>
           <a:buNone/>
           <a:tabLst/>
-          <a:defRPr b="0" baseline="0" cap="none" i="0" spc="0" strike="noStrike" sz="1800" u="none" kumimoji="0" normalizeH="0">
+          <a:defRPr kumimoji="0" sz="1800" b="0" i="0" u="none" strike="noStrike" cap="none" spc="0" normalizeH="0" baseline="0">
             <a:ln>
               <a:noFill/>
             </a:ln>
@@ -4091,9 +4232,15 @@
         </a:lvl9pPr>
       </a:lstStyle>
       <a:style>
-        <a:lnRef idx="0"/>
-        <a:fillRef idx="0"/>
-        <a:effectRef idx="0"/>
+        <a:lnRef idx="0">
+          <a:scrgbClr r="0" g="0" b="0"/>
+        </a:lnRef>
+        <a:fillRef idx="0">
+          <a:scrgbClr r="0" g="0" b="0"/>
+        </a:fillRef>
+        <a:effectRef idx="0">
+          <a:scrgbClr r="0" g="0" b="0"/>
+        </a:effectRef>
         <a:fontRef idx="none"/>
       </a:style>
     </a:spDef>
@@ -4108,14 +4255,14 @@
           <a:bevel/>
         </a:ln>
         <a:effectLst>
-          <a:outerShdw sx="100000" sy="100000" kx="0" ky="0" algn="b" rotWithShape="0" blurRad="38100" dist="20000" dir="5400000">
+          <a:outerShdw blurRad="38100" dist="20000" dir="5400000" rotWithShape="0">
             <a:srgbClr val="000000">
               <a:alpha val="38000"/>
             </a:srgbClr>
           </a:outerShdw>
         </a:effectLst>
       </a:spPr>
-      <a:bodyPr rot="0" spcFirstLastPara="1" vertOverflow="overflow" horzOverflow="overflow" vert="horz" wrap="square" lIns="91439" tIns="45719" rIns="91439" bIns="45719" numCol="1" spcCol="38100" rtlCol="0" anchor="t" upright="0">
+      <a:bodyPr rot="0" spcFirstLastPara="1" vertOverflow="overflow" horzOverflow="overflow" vert="horz" wrap="square" lIns="91439" tIns="45719" rIns="91439" bIns="45719" numCol="1" spcCol="38100" rtlCol="0" anchor="t">
         <a:noAutofit/>
       </a:bodyPr>
       <a:lstStyle>
@@ -4134,7 +4281,7 @@
           <a:buFontTx/>
           <a:buNone/>
           <a:tabLst/>
-          <a:defRPr b="0" baseline="0" cap="none" i="0" spc="0" strike="noStrike" sz="1800" u="none" kumimoji="0" normalizeH="0">
+          <a:defRPr kumimoji="0" sz="1800" b="0" i="0" u="none" strike="noStrike" cap="none" spc="0" normalizeH="0" baseline="0">
             <a:ln>
               <a:noFill/>
             </a:ln>
@@ -4160,7 +4307,7 @@
           <a:buFontTx/>
           <a:buNone/>
           <a:tabLst/>
-          <a:defRPr b="0" baseline="0" cap="none" i="0" spc="0" strike="noStrike" sz="1800" u="none" kumimoji="0" normalizeH="0">
+          <a:defRPr kumimoji="0" sz="1800" b="0" i="0" u="none" strike="noStrike" cap="none" spc="0" normalizeH="0" baseline="0">
             <a:ln>
               <a:noFill/>
             </a:ln>
@@ -4186,7 +4333,7 @@
           <a:buFontTx/>
           <a:buNone/>
           <a:tabLst/>
-          <a:defRPr b="0" baseline="0" cap="none" i="0" spc="0" strike="noStrike" sz="1800" u="none" kumimoji="0" normalizeH="0">
+          <a:defRPr kumimoji="0" sz="1800" b="0" i="0" u="none" strike="noStrike" cap="none" spc="0" normalizeH="0" baseline="0">
             <a:ln>
               <a:noFill/>
             </a:ln>
@@ -4212,7 +4359,7 @@
           <a:buFontTx/>
           <a:buNone/>
           <a:tabLst/>
-          <a:defRPr b="0" baseline="0" cap="none" i="0" spc="0" strike="noStrike" sz="1800" u="none" kumimoji="0" normalizeH="0">
+          <a:defRPr kumimoji="0" sz="1800" b="0" i="0" u="none" strike="noStrike" cap="none" spc="0" normalizeH="0" baseline="0">
             <a:ln>
               <a:noFill/>
             </a:ln>
@@ -4238,7 +4385,7 @@
           <a:buFontTx/>
           <a:buNone/>
           <a:tabLst/>
-          <a:defRPr b="0" baseline="0" cap="none" i="0" spc="0" strike="noStrike" sz="1800" u="none" kumimoji="0" normalizeH="0">
+          <a:defRPr kumimoji="0" sz="1800" b="0" i="0" u="none" strike="noStrike" cap="none" spc="0" normalizeH="0" baseline="0">
             <a:ln>
               <a:noFill/>
             </a:ln>
@@ -4264,7 +4411,7 @@
           <a:buFontTx/>
           <a:buNone/>
           <a:tabLst/>
-          <a:defRPr b="0" baseline="0" cap="none" i="0" spc="0" strike="noStrike" sz="1800" u="none" kumimoji="0" normalizeH="0">
+          <a:defRPr kumimoji="0" sz="1800" b="0" i="0" u="none" strike="noStrike" cap="none" spc="0" normalizeH="0" baseline="0">
             <a:ln>
               <a:noFill/>
             </a:ln>
@@ -4290,7 +4437,7 @@
           <a:buFontTx/>
           <a:buNone/>
           <a:tabLst/>
-          <a:defRPr b="0" baseline="0" cap="none" i="0" spc="0" strike="noStrike" sz="1800" u="none" kumimoji="0" normalizeH="0">
+          <a:defRPr kumimoji="0" sz="1800" b="0" i="0" u="none" strike="noStrike" cap="none" spc="0" normalizeH="0" baseline="0">
             <a:ln>
               <a:noFill/>
             </a:ln>
@@ -4316,7 +4463,7 @@
           <a:buFontTx/>
           <a:buNone/>
           <a:tabLst/>
-          <a:defRPr b="0" baseline="0" cap="none" i="0" spc="0" strike="noStrike" sz="1800" u="none" kumimoji="0" normalizeH="0">
+          <a:defRPr kumimoji="0" sz="1800" b="0" i="0" u="none" strike="noStrike" cap="none" spc="0" normalizeH="0" baseline="0">
             <a:ln>
               <a:noFill/>
             </a:ln>
@@ -4342,7 +4489,7 @@
           <a:buFontTx/>
           <a:buNone/>
           <a:tabLst/>
-          <a:defRPr b="0" baseline="0" cap="none" i="0" spc="0" strike="noStrike" sz="1800" u="none" kumimoji="0" normalizeH="0">
+          <a:defRPr kumimoji="0" sz="1800" b="0" i="0" u="none" strike="noStrike" cap="none" spc="0" normalizeH="0" baseline="0">
             <a:ln>
               <a:noFill/>
             </a:ln>
@@ -4368,7 +4515,7 @@
           <a:buFontTx/>
           <a:buNone/>
           <a:tabLst/>
-          <a:defRPr b="0" baseline="0" cap="none" i="0" spc="0" strike="noStrike" sz="1800" u="none" kumimoji="0" normalizeH="0">
+          <a:defRPr kumimoji="0" sz="1800" b="0" i="0" u="none" strike="noStrike" cap="none" spc="0" normalizeH="0" baseline="0">
             <a:ln>
               <a:noFill/>
             </a:ln>
@@ -4381,9 +4528,15 @@
         </a:lvl9pPr>
       </a:lstStyle>
       <a:style>
-        <a:lnRef idx="0"/>
-        <a:fillRef idx="0"/>
-        <a:effectRef idx="0"/>
+        <a:lnRef idx="0">
+          <a:scrgbClr r="0" g="0" b="0"/>
+        </a:lnRef>
+        <a:fillRef idx="0">
+          <a:scrgbClr r="0" g="0" b="0"/>
+        </a:fillRef>
+        <a:effectRef idx="0">
+          <a:scrgbClr r="0" g="0" b="0"/>
+        </a:effectRef>
         <a:fontRef idx="none"/>
       </a:style>
     </a:lnDef>
@@ -4396,7 +4549,7 @@
         </a:ln>
         <a:effectLst/>
       </a:spPr>
-      <a:bodyPr rot="0" spcFirstLastPara="1" vertOverflow="overflow" horzOverflow="overflow" vert="horz" wrap="square" lIns="45719" tIns="45719" rIns="45719" bIns="45719" numCol="1" spcCol="38100" rtlCol="0" anchor="t" upright="0">
+      <a:bodyPr rot="0" spcFirstLastPara="1" vertOverflow="overflow" horzOverflow="overflow" vert="horz" wrap="square" lIns="45719" tIns="45719" rIns="45719" bIns="45719" numCol="1" spcCol="38100" rtlCol="0" anchor="t">
         <a:spAutoFit/>
       </a:bodyPr>
       <a:lstStyle>
@@ -4415,7 +4568,7 @@
           <a:buFontTx/>
           <a:buNone/>
           <a:tabLst/>
-          <a:defRPr b="0" baseline="0" cap="none" i="0" spc="0" strike="noStrike" sz="1600" u="none" kumimoji="0" normalizeH="0">
+          <a:defRPr kumimoji="0" sz="1600" b="0" i="0" u="none" strike="noStrike" cap="none" spc="0" normalizeH="0" baseline="0">
             <a:ln>
               <a:noFill/>
             </a:ln>
@@ -4445,7 +4598,7 @@
           <a:buFontTx/>
           <a:buNone/>
           <a:tabLst/>
-          <a:defRPr b="0" baseline="0" cap="none" i="0" spc="0" strike="noStrike" sz="1800" u="none" kumimoji="0" normalizeH="0">
+          <a:defRPr kumimoji="0" sz="1800" b="0" i="0" u="none" strike="noStrike" cap="none" spc="0" normalizeH="0" baseline="0">
             <a:ln>
               <a:noFill/>
             </a:ln>
@@ -4471,7 +4624,7 @@
           <a:buFontTx/>
           <a:buNone/>
           <a:tabLst/>
-          <a:defRPr b="0" baseline="0" cap="none" i="0" spc="0" strike="noStrike" sz="1800" u="none" kumimoji="0" normalizeH="0">
+          <a:defRPr kumimoji="0" sz="1800" b="0" i="0" u="none" strike="noStrike" cap="none" spc="0" normalizeH="0" baseline="0">
             <a:ln>
               <a:noFill/>
             </a:ln>
@@ -4497,7 +4650,7 @@
           <a:buFontTx/>
           <a:buNone/>
           <a:tabLst/>
-          <a:defRPr b="0" baseline="0" cap="none" i="0" spc="0" strike="noStrike" sz="1800" u="none" kumimoji="0" normalizeH="0">
+          <a:defRPr kumimoji="0" sz="1800" b="0" i="0" u="none" strike="noStrike" cap="none" spc="0" normalizeH="0" baseline="0">
             <a:ln>
               <a:noFill/>
             </a:ln>
@@ -4523,7 +4676,7 @@
           <a:buFontTx/>
           <a:buNone/>
           <a:tabLst/>
-          <a:defRPr b="0" baseline="0" cap="none" i="0" spc="0" strike="noStrike" sz="1800" u="none" kumimoji="0" normalizeH="0">
+          <a:defRPr kumimoji="0" sz="1800" b="0" i="0" u="none" strike="noStrike" cap="none" spc="0" normalizeH="0" baseline="0">
             <a:ln>
               <a:noFill/>
             </a:ln>
@@ -4549,7 +4702,7 @@
           <a:buFontTx/>
           <a:buNone/>
           <a:tabLst/>
-          <a:defRPr b="0" baseline="0" cap="none" i="0" spc="0" strike="noStrike" sz="1800" u="none" kumimoji="0" normalizeH="0">
+          <a:defRPr kumimoji="0" sz="1800" b="0" i="0" u="none" strike="noStrike" cap="none" spc="0" normalizeH="0" baseline="0">
             <a:ln>
               <a:noFill/>
             </a:ln>
@@ -4575,7 +4728,7 @@
           <a:buFontTx/>
           <a:buNone/>
           <a:tabLst/>
-          <a:defRPr b="0" baseline="0" cap="none" i="0" spc="0" strike="noStrike" sz="1800" u="none" kumimoji="0" normalizeH="0">
+          <a:defRPr kumimoji="0" sz="1800" b="0" i="0" u="none" strike="noStrike" cap="none" spc="0" normalizeH="0" baseline="0">
             <a:ln>
               <a:noFill/>
             </a:ln>
@@ -4601,7 +4754,7 @@
           <a:buFontTx/>
           <a:buNone/>
           <a:tabLst/>
-          <a:defRPr b="0" baseline="0" cap="none" i="0" spc="0" strike="noStrike" sz="1800" u="none" kumimoji="0" normalizeH="0">
+          <a:defRPr kumimoji="0" sz="1800" b="0" i="0" u="none" strike="noStrike" cap="none" spc="0" normalizeH="0" baseline="0">
             <a:ln>
               <a:noFill/>
             </a:ln>
@@ -4627,7 +4780,7 @@
           <a:buFontTx/>
           <a:buNone/>
           <a:tabLst/>
-          <a:defRPr b="0" baseline="0" cap="none" i="0" spc="0" strike="noStrike" sz="1800" u="none" kumimoji="0" normalizeH="0">
+          <a:defRPr kumimoji="0" sz="1800" b="0" i="0" u="none" strike="noStrike" cap="none" spc="0" normalizeH="0" baseline="0">
             <a:ln>
               <a:noFill/>
             </a:ln>
@@ -4653,7 +4806,7 @@
           <a:buFontTx/>
           <a:buNone/>
           <a:tabLst/>
-          <a:defRPr b="0" baseline="0" cap="none" i="0" spc="0" strike="noStrike" sz="1800" u="none" kumimoji="0" normalizeH="0">
+          <a:defRPr kumimoji="0" sz="1800" b="0" i="0" u="none" strike="noStrike" cap="none" spc="0" normalizeH="0" baseline="0">
             <a:ln>
               <a:noFill/>
             </a:ln>
@@ -4666,12 +4819,19 @@
         </a:lvl9pPr>
       </a:lstStyle>
       <a:style>
-        <a:lnRef idx="0"/>
-        <a:fillRef idx="0"/>
-        <a:effectRef idx="0"/>
+        <a:lnRef idx="0">
+          <a:scrgbClr r="0" g="0" b="0"/>
+        </a:lnRef>
+        <a:fillRef idx="0">
+          <a:scrgbClr r="0" g="0" b="0"/>
+        </a:fillRef>
+        <a:effectRef idx="0">
+          <a:scrgbClr r="0" g="0" b="0"/>
+        </a:effectRef>
         <a:fontRef idx="none"/>
       </a:style>
     </a:txDef>
   </a:objectDefaults>
+  <a:extraClrSchemeLst/>
 </a:theme>
 </file>